--- a/PPT/PPT3_-_JSON_XML.pptx
+++ b/PPT/PPT3_-_JSON_XML.pptx
@@ -6,10 +6,8 @@
   </p:sldMasterIdLst>
   <p:sldIdLst>
     <p:sldId id="256" r:id="rId2"/>
-    <p:sldId id="264" r:id="rId3"/>
-    <p:sldId id="265" r:id="rId4"/>
-    <p:sldId id="266" r:id="rId5"/>
-    <p:sldId id="267" r:id="rId6"/>
+    <p:sldId id="267" r:id="rId3"/>
+    <p:sldId id="268" r:id="rId4"/>
   </p:sldIdLst>
   <p:sldSz cx="12192000" cy="6858000"/>
   <p:notesSz cx="6858000" cy="9144000"/>
@@ -247,7 +245,7 @@
           <a:p>
             <a:fld id="{A8056B92-FCDB-4810-8779-64E0CAC2F787}" type="datetimeFigureOut">
               <a:rPr lang="pt-PT" smtClean="0"/>
-              <a:t>03/05/2018</a:t>
+              <a:t>16/05/2018</a:t>
             </a:fld>
             <a:endParaRPr lang="pt-PT"/>
           </a:p>
@@ -417,7 +415,7 @@
           <a:p>
             <a:fld id="{A8056B92-FCDB-4810-8779-64E0CAC2F787}" type="datetimeFigureOut">
               <a:rPr lang="pt-PT" smtClean="0"/>
-              <a:t>03/05/2018</a:t>
+              <a:t>16/05/2018</a:t>
             </a:fld>
             <a:endParaRPr lang="pt-PT"/>
           </a:p>
@@ -597,7 +595,7 @@
           <a:p>
             <a:fld id="{A8056B92-FCDB-4810-8779-64E0CAC2F787}" type="datetimeFigureOut">
               <a:rPr lang="pt-PT" smtClean="0"/>
-              <a:t>03/05/2018</a:t>
+              <a:t>16/05/2018</a:t>
             </a:fld>
             <a:endParaRPr lang="pt-PT"/>
           </a:p>
@@ -767,7 +765,7 @@
           <a:p>
             <a:fld id="{A8056B92-FCDB-4810-8779-64E0CAC2F787}" type="datetimeFigureOut">
               <a:rPr lang="pt-PT" smtClean="0"/>
-              <a:t>03/05/2018</a:t>
+              <a:t>16/05/2018</a:t>
             </a:fld>
             <a:endParaRPr lang="pt-PT"/>
           </a:p>
@@ -1013,7 +1011,7 @@
           <a:p>
             <a:fld id="{A8056B92-FCDB-4810-8779-64E0CAC2F787}" type="datetimeFigureOut">
               <a:rPr lang="pt-PT" smtClean="0"/>
-              <a:t>03/05/2018</a:t>
+              <a:t>16/05/2018</a:t>
             </a:fld>
             <a:endParaRPr lang="pt-PT"/>
           </a:p>
@@ -1245,7 +1243,7 @@
           <a:p>
             <a:fld id="{A8056B92-FCDB-4810-8779-64E0CAC2F787}" type="datetimeFigureOut">
               <a:rPr lang="pt-PT" smtClean="0"/>
-              <a:t>03/05/2018</a:t>
+              <a:t>16/05/2018</a:t>
             </a:fld>
             <a:endParaRPr lang="pt-PT"/>
           </a:p>
@@ -1612,7 +1610,7 @@
           <a:p>
             <a:fld id="{A8056B92-FCDB-4810-8779-64E0CAC2F787}" type="datetimeFigureOut">
               <a:rPr lang="pt-PT" smtClean="0"/>
-              <a:t>03/05/2018</a:t>
+              <a:t>16/05/2018</a:t>
             </a:fld>
             <a:endParaRPr lang="pt-PT"/>
           </a:p>
@@ -1730,7 +1728,7 @@
           <a:p>
             <a:fld id="{A8056B92-FCDB-4810-8779-64E0CAC2F787}" type="datetimeFigureOut">
               <a:rPr lang="pt-PT" smtClean="0"/>
-              <a:t>03/05/2018</a:t>
+              <a:t>16/05/2018</a:t>
             </a:fld>
             <a:endParaRPr lang="pt-PT"/>
           </a:p>
@@ -1825,7 +1823,7 @@
           <a:p>
             <a:fld id="{A8056B92-FCDB-4810-8779-64E0CAC2F787}" type="datetimeFigureOut">
               <a:rPr lang="pt-PT" smtClean="0"/>
-              <a:t>03/05/2018</a:t>
+              <a:t>16/05/2018</a:t>
             </a:fld>
             <a:endParaRPr lang="pt-PT"/>
           </a:p>
@@ -2102,7 +2100,7 @@
           <a:p>
             <a:fld id="{A8056B92-FCDB-4810-8779-64E0CAC2F787}" type="datetimeFigureOut">
               <a:rPr lang="pt-PT" smtClean="0"/>
-              <a:t>03/05/2018</a:t>
+              <a:t>16/05/2018</a:t>
             </a:fld>
             <a:endParaRPr lang="pt-PT"/>
           </a:p>
@@ -2359,7 +2357,7 @@
           <a:p>
             <a:fld id="{A8056B92-FCDB-4810-8779-64E0CAC2F787}" type="datetimeFigureOut">
               <a:rPr lang="pt-PT" smtClean="0"/>
-              <a:t>03/05/2018</a:t>
+              <a:t>16/05/2018</a:t>
             </a:fld>
             <a:endParaRPr lang="pt-PT"/>
           </a:p>
@@ -2572,7 +2570,7 @@
           <a:p>
             <a:fld id="{A8056B92-FCDB-4810-8779-64E0CAC2F787}" type="datetimeFigureOut">
               <a:rPr lang="pt-PT" smtClean="0"/>
-              <a:t>03/05/2018</a:t>
+              <a:t>16/05/2018</a:t>
             </a:fld>
             <a:endParaRPr lang="pt-PT"/>
           </a:p>
@@ -3007,7 +3005,7 @@
                   </a:schemeClr>
                 </a:solidFill>
               </a:rPr>
-              <a:t>Regular Expressions</a:t>
+              <a:t>JSON e XML</a:t>
             </a:r>
           </a:p>
         </p:txBody>
@@ -3102,7 +3100,7 @@
                   </a:schemeClr>
                 </a:solidFill>
               </a:rPr>
-              <a:t>O exercício realizado na última aula</a:t>
+              <a:t>O que é? Para que serve?</a:t>
             </a:r>
           </a:p>
         </p:txBody>
@@ -3123,88 +3121,467 @@
             <p:ph idx="1"/>
           </p:nvPr>
         </p:nvSpPr>
-        <p:spPr/>
-        <p:txBody>
-          <a:bodyPr/>
+        <p:spPr>
+          <a:xfrm>
+            <a:off x="838200" y="1544445"/>
+            <a:ext cx="10515600" cy="1116357"/>
+          </a:xfrm>
+        </p:spPr>
+        <p:txBody>
+          <a:bodyPr>
+            <a:normAutofit/>
+          </a:bodyPr>
           <a:lstStyle/>
           <a:p>
             <a:r>
               <a:rPr lang="pt-PT" sz="1800" dirty="0">
                 <a:latin typeface="Consolas" panose="020B0609020204030204" pitchFamily="49" charset="0"/>
               </a:rPr>
-              <a:t>Código confuso</a:t>
-            </a:r>
-          </a:p>
-          <a:p>
+              <a:t>XML: </a:t>
+            </a:r>
+            <a:r>
+              <a:rPr lang="pt-PT" sz="1800" dirty="0" err="1">
+                <a:latin typeface="Consolas" panose="020B0609020204030204" pitchFamily="49" charset="0"/>
+              </a:rPr>
+              <a:t>Extensible</a:t>
+            </a:r>
             <a:r>
               <a:rPr lang="pt-PT" sz="1800" dirty="0">
                 <a:latin typeface="Consolas" panose="020B0609020204030204" pitchFamily="49" charset="0"/>
               </a:rPr>
-              <a:t>Pouco elegante</a:t>
-            </a:r>
-          </a:p>
-          <a:p>
+              <a:t> </a:t>
+            </a:r>
+            <a:r>
+              <a:rPr lang="pt-PT" sz="1800" dirty="0" err="1">
+                <a:latin typeface="Consolas" panose="020B0609020204030204" pitchFamily="49" charset="0"/>
+              </a:rPr>
+              <a:t>Markup</a:t>
+            </a:r>
             <a:r>
               <a:rPr lang="pt-PT" sz="1800" dirty="0">
                 <a:latin typeface="Consolas" panose="020B0609020204030204" pitchFamily="49" charset="0"/>
               </a:rPr>
-              <a:t>Feio </a:t>
-            </a:r>
-            <a:r>
-              <a:rPr lang="pt-PT" sz="1800" dirty="0">
+              <a:t> </a:t>
+            </a:r>
+            <a:r>
+              <a:rPr lang="pt-PT" sz="1800" dirty="0" err="1">
                 <a:latin typeface="Consolas" panose="020B0609020204030204" pitchFamily="49" charset="0"/>
-                <a:sym typeface="Wingdings" panose="05000000000000000000" pitchFamily="2" charset="2"/>
-              </a:rPr>
-              <a:t></a:t>
-            </a:r>
-          </a:p>
-          <a:p>
-            <a:endParaRPr lang="pt-PT" sz="1800" dirty="0">
-              <a:latin typeface="Consolas" panose="020B0609020204030204" pitchFamily="49" charset="0"/>
-              <a:sym typeface="Wingdings" panose="05000000000000000000" pitchFamily="2" charset="2"/>
-            </a:endParaRPr>
-          </a:p>
-          <a:p>
-            <a:endParaRPr lang="pt-PT" sz="1800" dirty="0">
-              <a:latin typeface="Consolas" panose="020B0609020204030204" pitchFamily="49" charset="0"/>
-              <a:sym typeface="Wingdings" panose="05000000000000000000" pitchFamily="2" charset="2"/>
-            </a:endParaRPr>
-          </a:p>
-          <a:p>
-            <a:pPr marL="0" indent="0">
-              <a:buNone/>
-            </a:pPr>
-            <a:r>
-              <a:rPr lang="pt-PT" sz="1800" dirty="0">
-                <a:latin typeface="Consolas" panose="020B0609020204030204" pitchFamily="49" charset="0"/>
-                <a:sym typeface="Wingdings" panose="05000000000000000000" pitchFamily="2" charset="2"/>
-              </a:rPr>
-              <a:t>Alternativa?</a:t>
-            </a:r>
-          </a:p>
-          <a:p>
-            <a:pPr marL="0" indent="0">
-              <a:buNone/>
-            </a:pPr>
-            <a:r>
-              <a:rPr lang="pt-PT" sz="1800" dirty="0">
-                <a:latin typeface="Consolas" panose="020B0609020204030204" pitchFamily="49" charset="0"/>
-                <a:sym typeface="Wingdings" panose="05000000000000000000" pitchFamily="2" charset="2"/>
-              </a:rPr>
-              <a:t>EXPRESSÕES REGULARES!</a:t>
+              </a:rPr>
+              <a:t>Language</a:t>
             </a:r>
             <a:endParaRPr lang="pt-PT" sz="1800" dirty="0">
               <a:latin typeface="Consolas" panose="020B0609020204030204" pitchFamily="49" charset="0"/>
             </a:endParaRPr>
           </a:p>
-        </p:txBody>
-      </p:sp>
-      <p:sp>
-        <p:nvSpPr>
-          <p:cNvPr id="6" name="Retângulo 5">
+          <a:p>
+            <a:r>
+              <a:rPr lang="pt-PT" sz="1800" dirty="0">
+                <a:latin typeface="Consolas" panose="020B0609020204030204" pitchFamily="49" charset="0"/>
+              </a:rPr>
+              <a:t>JSON: JavaScript </a:t>
+            </a:r>
+            <a:r>
+              <a:rPr lang="pt-PT" sz="1800" dirty="0" err="1">
+                <a:latin typeface="Consolas" panose="020B0609020204030204" pitchFamily="49" charset="0"/>
+              </a:rPr>
+              <a:t>Object</a:t>
+            </a:r>
+            <a:r>
+              <a:rPr lang="pt-PT" sz="1800" dirty="0">
+                <a:latin typeface="Consolas" panose="020B0609020204030204" pitchFamily="49" charset="0"/>
+              </a:rPr>
+              <a:t> </a:t>
+            </a:r>
+            <a:r>
+              <a:rPr lang="pt-PT" sz="1800" dirty="0" err="1">
+                <a:latin typeface="Consolas" panose="020B0609020204030204" pitchFamily="49" charset="0"/>
+              </a:rPr>
+              <a:t>Notation</a:t>
+            </a:r>
+            <a:endParaRPr lang="pt-PT" sz="1800" dirty="0">
+              <a:latin typeface="Consolas" panose="020B0609020204030204" pitchFamily="49" charset="0"/>
+            </a:endParaRPr>
+          </a:p>
+          <a:p>
+            <a:r>
+              <a:rPr lang="pt-PT" sz="1800" dirty="0">
+                <a:latin typeface="Consolas" panose="020B0609020204030204" pitchFamily="49" charset="0"/>
+              </a:rPr>
+              <a:t>São formas de estruturar dados e enviá-los entre aplicações</a:t>
+            </a:r>
+          </a:p>
+        </p:txBody>
+      </p:sp>
+      <p:sp>
+        <p:nvSpPr>
+          <p:cNvPr id="5" name="Marcador de Posição de Conteúdo 2">
             <a:extLst>
               <a:ext uri="{FF2B5EF4-FFF2-40B4-BE49-F238E27FC236}">
-                <a16:creationId xmlns:a16="http://schemas.microsoft.com/office/drawing/2014/main" id="{C3F4A51A-3CBF-4995-ABA1-2881533F3801}"/>
+                <a16:creationId xmlns:a16="http://schemas.microsoft.com/office/drawing/2014/main" id="{D7D67601-839F-4F74-AF53-252A0D023BBC}"/>
+              </a:ext>
+            </a:extLst>
+          </p:cNvPr>
+          <p:cNvSpPr txBox="1">
+            <a:spLocks/>
+          </p:cNvSpPr>
+          <p:nvPr/>
+        </p:nvSpPr>
+        <p:spPr>
+          <a:xfrm>
+            <a:off x="400877" y="2960274"/>
+            <a:ext cx="4966253" cy="2353282"/>
+          </a:xfrm>
+          <a:prstGeom prst="rect">
+            <a:avLst/>
+          </a:prstGeom>
+        </p:spPr>
+        <p:style>
+          <a:lnRef idx="2">
+            <a:schemeClr val="accent2">
+              <a:shade val="50000"/>
+            </a:schemeClr>
+          </a:lnRef>
+          <a:fillRef idx="1">
+            <a:schemeClr val="accent2"/>
+          </a:fillRef>
+          <a:effectRef idx="0">
+            <a:schemeClr val="accent2"/>
+          </a:effectRef>
+          <a:fontRef idx="minor">
+            <a:schemeClr val="lt1"/>
+          </a:fontRef>
+        </p:style>
+        <p:txBody>
+          <a:bodyPr vert="horz" lIns="91440" tIns="45720" rIns="91440" bIns="45720" numCol="1" rtlCol="0">
+            <a:normAutofit/>
+          </a:bodyPr>
+          <a:lstStyle>
+            <a:lvl1pPr marL="228600" indent="-228600" algn="l" defTabSz="914400" rtl="0" eaLnBrk="1" latinLnBrk="0" hangingPunct="1">
+              <a:lnSpc>
+                <a:spcPct val="90000"/>
+              </a:lnSpc>
+              <a:spcBef>
+                <a:spcPts val="1000"/>
+              </a:spcBef>
+              <a:buFont typeface="Arial" panose="020B0604020202020204" pitchFamily="34" charset="0"/>
+              <a:buChar char="•"/>
+              <a:defRPr sz="2800" kern="1200">
+                <a:solidFill>
+                  <a:schemeClr val="tx1"/>
+                </a:solidFill>
+                <a:latin typeface="+mn-lt"/>
+                <a:ea typeface="+mn-ea"/>
+                <a:cs typeface="+mn-cs"/>
+              </a:defRPr>
+            </a:lvl1pPr>
+            <a:lvl2pPr marL="685800" indent="-228600" algn="l" defTabSz="914400" rtl="0" eaLnBrk="1" latinLnBrk="0" hangingPunct="1">
+              <a:lnSpc>
+                <a:spcPct val="90000"/>
+              </a:lnSpc>
+              <a:spcBef>
+                <a:spcPts val="500"/>
+              </a:spcBef>
+              <a:buFont typeface="Arial" panose="020B0604020202020204" pitchFamily="34" charset="0"/>
+              <a:buChar char="•"/>
+              <a:defRPr sz="2400" kern="1200">
+                <a:solidFill>
+                  <a:schemeClr val="tx1"/>
+                </a:solidFill>
+                <a:latin typeface="+mn-lt"/>
+                <a:ea typeface="+mn-ea"/>
+                <a:cs typeface="+mn-cs"/>
+              </a:defRPr>
+            </a:lvl2pPr>
+            <a:lvl3pPr marL="1143000" indent="-228600" algn="l" defTabSz="914400" rtl="0" eaLnBrk="1" latinLnBrk="0" hangingPunct="1">
+              <a:lnSpc>
+                <a:spcPct val="90000"/>
+              </a:lnSpc>
+              <a:spcBef>
+                <a:spcPts val="500"/>
+              </a:spcBef>
+              <a:buFont typeface="Arial" panose="020B0604020202020204" pitchFamily="34" charset="0"/>
+              <a:buChar char="•"/>
+              <a:defRPr sz="2000" kern="1200">
+                <a:solidFill>
+                  <a:schemeClr val="tx1"/>
+                </a:solidFill>
+                <a:latin typeface="+mn-lt"/>
+                <a:ea typeface="+mn-ea"/>
+                <a:cs typeface="+mn-cs"/>
+              </a:defRPr>
+            </a:lvl3pPr>
+            <a:lvl4pPr marL="1600200" indent="-228600" algn="l" defTabSz="914400" rtl="0" eaLnBrk="1" latinLnBrk="0" hangingPunct="1">
+              <a:lnSpc>
+                <a:spcPct val="90000"/>
+              </a:lnSpc>
+              <a:spcBef>
+                <a:spcPts val="500"/>
+              </a:spcBef>
+              <a:buFont typeface="Arial" panose="020B0604020202020204" pitchFamily="34" charset="0"/>
+              <a:buChar char="•"/>
+              <a:defRPr sz="1800" kern="1200">
+                <a:solidFill>
+                  <a:schemeClr val="tx1"/>
+                </a:solidFill>
+                <a:latin typeface="+mn-lt"/>
+                <a:ea typeface="+mn-ea"/>
+                <a:cs typeface="+mn-cs"/>
+              </a:defRPr>
+            </a:lvl4pPr>
+            <a:lvl5pPr marL="2057400" indent="-228600" algn="l" defTabSz="914400" rtl="0" eaLnBrk="1" latinLnBrk="0" hangingPunct="1">
+              <a:lnSpc>
+                <a:spcPct val="90000"/>
+              </a:lnSpc>
+              <a:spcBef>
+                <a:spcPts val="500"/>
+              </a:spcBef>
+              <a:buFont typeface="Arial" panose="020B0604020202020204" pitchFamily="34" charset="0"/>
+              <a:buChar char="•"/>
+              <a:defRPr sz="1800" kern="1200">
+                <a:solidFill>
+                  <a:schemeClr val="tx1"/>
+                </a:solidFill>
+                <a:latin typeface="+mn-lt"/>
+                <a:ea typeface="+mn-ea"/>
+                <a:cs typeface="+mn-cs"/>
+              </a:defRPr>
+            </a:lvl5pPr>
+            <a:lvl6pPr marL="2514600" indent="-228600" algn="l" defTabSz="914400" rtl="0" eaLnBrk="1" latinLnBrk="0" hangingPunct="1">
+              <a:lnSpc>
+                <a:spcPct val="90000"/>
+              </a:lnSpc>
+              <a:spcBef>
+                <a:spcPts val="500"/>
+              </a:spcBef>
+              <a:buFont typeface="Arial" panose="020B0604020202020204" pitchFamily="34" charset="0"/>
+              <a:buChar char="•"/>
+              <a:defRPr sz="1800" kern="1200">
+                <a:solidFill>
+                  <a:schemeClr val="tx1"/>
+                </a:solidFill>
+                <a:latin typeface="+mn-lt"/>
+                <a:ea typeface="+mn-ea"/>
+                <a:cs typeface="+mn-cs"/>
+              </a:defRPr>
+            </a:lvl6pPr>
+            <a:lvl7pPr marL="2971800" indent="-228600" algn="l" defTabSz="914400" rtl="0" eaLnBrk="1" latinLnBrk="0" hangingPunct="1">
+              <a:lnSpc>
+                <a:spcPct val="90000"/>
+              </a:lnSpc>
+              <a:spcBef>
+                <a:spcPts val="500"/>
+              </a:spcBef>
+              <a:buFont typeface="Arial" panose="020B0604020202020204" pitchFamily="34" charset="0"/>
+              <a:buChar char="•"/>
+              <a:defRPr sz="1800" kern="1200">
+                <a:solidFill>
+                  <a:schemeClr val="tx1"/>
+                </a:solidFill>
+                <a:latin typeface="+mn-lt"/>
+                <a:ea typeface="+mn-ea"/>
+                <a:cs typeface="+mn-cs"/>
+              </a:defRPr>
+            </a:lvl7pPr>
+            <a:lvl8pPr marL="3429000" indent="-228600" algn="l" defTabSz="914400" rtl="0" eaLnBrk="1" latinLnBrk="0" hangingPunct="1">
+              <a:lnSpc>
+                <a:spcPct val="90000"/>
+              </a:lnSpc>
+              <a:spcBef>
+                <a:spcPts val="500"/>
+              </a:spcBef>
+              <a:buFont typeface="Arial" panose="020B0604020202020204" pitchFamily="34" charset="0"/>
+              <a:buChar char="•"/>
+              <a:defRPr sz="1800" kern="1200">
+                <a:solidFill>
+                  <a:schemeClr val="tx1"/>
+                </a:solidFill>
+                <a:latin typeface="+mn-lt"/>
+                <a:ea typeface="+mn-ea"/>
+                <a:cs typeface="+mn-cs"/>
+              </a:defRPr>
+            </a:lvl8pPr>
+            <a:lvl9pPr marL="3886200" indent="-228600" algn="l" defTabSz="914400" rtl="0" eaLnBrk="1" latinLnBrk="0" hangingPunct="1">
+              <a:lnSpc>
+                <a:spcPct val="90000"/>
+              </a:lnSpc>
+              <a:spcBef>
+                <a:spcPts val="500"/>
+              </a:spcBef>
+              <a:buFont typeface="Arial" panose="020B0604020202020204" pitchFamily="34" charset="0"/>
+              <a:buChar char="•"/>
+              <a:defRPr sz="1800" kern="1200">
+                <a:solidFill>
+                  <a:schemeClr val="tx1"/>
+                </a:solidFill>
+                <a:latin typeface="+mn-lt"/>
+                <a:ea typeface="+mn-ea"/>
+                <a:cs typeface="+mn-cs"/>
+              </a:defRPr>
+            </a:lvl9pPr>
+          </a:lstStyle>
+          <a:p>
+            <a:r>
+              <a:rPr lang="pt-PT" sz="1800" dirty="0">
+                <a:latin typeface="Consolas" panose="020B0609020204030204" pitchFamily="49" charset="0"/>
+              </a:rPr>
+              <a:t>XML:</a:t>
+            </a:r>
+          </a:p>
+          <a:p>
+            <a:pPr marL="0" indent="0">
+              <a:buNone/>
+            </a:pPr>
+            <a:r>
+              <a:rPr lang="pt-PT" sz="1800" dirty="0">
+                <a:latin typeface="Consolas" panose="020B0609020204030204" pitchFamily="49" charset="0"/>
+              </a:rPr>
+              <a:t>&lt;?</a:t>
+            </a:r>
+            <a:r>
+              <a:rPr lang="pt-PT" sz="1800" dirty="0" err="1">
+                <a:latin typeface="Consolas" panose="020B0609020204030204" pitchFamily="49" charset="0"/>
+              </a:rPr>
+              <a:t>xml</a:t>
+            </a:r>
+            <a:r>
+              <a:rPr lang="pt-PT" sz="1800" dirty="0">
+                <a:latin typeface="Consolas" panose="020B0609020204030204" pitchFamily="49" charset="0"/>
+              </a:rPr>
+              <a:t> </a:t>
+            </a:r>
+            <a:r>
+              <a:rPr lang="pt-PT" sz="1800" dirty="0" err="1">
+                <a:latin typeface="Consolas" panose="020B0609020204030204" pitchFamily="49" charset="0"/>
+              </a:rPr>
+              <a:t>version</a:t>
+            </a:r>
+            <a:r>
+              <a:rPr lang="pt-PT" sz="1800" dirty="0">
+                <a:latin typeface="Consolas" panose="020B0609020204030204" pitchFamily="49" charset="0"/>
+              </a:rPr>
+              <a:t>="1.0" </a:t>
+            </a:r>
+            <a:r>
+              <a:rPr lang="pt-PT" sz="1800" dirty="0" err="1">
+                <a:latin typeface="Consolas" panose="020B0609020204030204" pitchFamily="49" charset="0"/>
+              </a:rPr>
+              <a:t>encoding</a:t>
+            </a:r>
+            <a:r>
+              <a:rPr lang="pt-PT" sz="1800" dirty="0">
+                <a:latin typeface="Consolas" panose="020B0609020204030204" pitchFamily="49" charset="0"/>
+              </a:rPr>
+              <a:t>="utf-8"?&gt;</a:t>
+            </a:r>
+          </a:p>
+          <a:p>
+            <a:pPr marL="0" indent="0">
+              <a:buNone/>
+            </a:pPr>
+            <a:r>
+              <a:rPr lang="pt-PT" sz="1800" dirty="0">
+                <a:latin typeface="Consolas" panose="020B0609020204030204" pitchFamily="49" charset="0"/>
+              </a:rPr>
+              <a:t>&lt;</a:t>
+            </a:r>
+            <a:r>
+              <a:rPr lang="pt-PT" sz="1800" dirty="0" err="1">
+                <a:latin typeface="Consolas" panose="020B0609020204030204" pitchFamily="49" charset="0"/>
+              </a:rPr>
+              <a:t>listaDeCompras</a:t>
+            </a:r>
+            <a:r>
+              <a:rPr lang="pt-PT" sz="1800" dirty="0">
+                <a:latin typeface="Consolas" panose="020B0609020204030204" pitchFamily="49" charset="0"/>
+              </a:rPr>
+              <a:t>&gt;</a:t>
+            </a:r>
+          </a:p>
+          <a:p>
+            <a:pPr marL="0" indent="0">
+              <a:buNone/>
+            </a:pPr>
+            <a:r>
+              <a:rPr lang="pt-PT" sz="1800" dirty="0">
+                <a:latin typeface="Consolas" panose="020B0609020204030204" pitchFamily="49" charset="0"/>
+              </a:rPr>
+              <a:t>   &lt;item quantidade=“5”&gt;Maçã&lt;/item&gt;</a:t>
+            </a:r>
+          </a:p>
+          <a:p>
+            <a:pPr marL="0" indent="0">
+              <a:buNone/>
+            </a:pPr>
+            <a:r>
+              <a:rPr lang="pt-PT" sz="1800" dirty="0">
+                <a:latin typeface="Consolas" panose="020B0609020204030204" pitchFamily="49" charset="0"/>
+              </a:rPr>
+              <a:t>   &lt;item quantidade=“2”&gt;Ovos&lt;/item&gt;</a:t>
+            </a:r>
+          </a:p>
+          <a:p>
+            <a:pPr marL="0" indent="0">
+              <a:buNone/>
+            </a:pPr>
+            <a:r>
+              <a:rPr lang="pt-PT" sz="1800" dirty="0">
+                <a:latin typeface="Consolas" panose="020B0609020204030204" pitchFamily="49" charset="0"/>
+              </a:rPr>
+              <a:t>&lt;/</a:t>
+            </a:r>
+            <a:r>
+              <a:rPr lang="pt-PT" sz="1800" dirty="0" err="1">
+                <a:latin typeface="Consolas" panose="020B0609020204030204" pitchFamily="49" charset="0"/>
+              </a:rPr>
+              <a:t>listaDeCompras</a:t>
+            </a:r>
+            <a:r>
+              <a:rPr lang="pt-PT" sz="1800" dirty="0">
+                <a:latin typeface="Consolas" panose="020B0609020204030204" pitchFamily="49" charset="0"/>
+              </a:rPr>
+              <a:t>&gt;</a:t>
+            </a:r>
+          </a:p>
+          <a:p>
+            <a:pPr marL="0" indent="0">
+              <a:buNone/>
+            </a:pPr>
+            <a:endParaRPr lang="pt-PT" sz="1800" dirty="0">
+              <a:latin typeface="Consolas" panose="020B0609020204030204" pitchFamily="49" charset="0"/>
+            </a:endParaRPr>
+          </a:p>
+          <a:p>
+            <a:pPr marL="0" indent="0">
+              <a:buNone/>
+            </a:pPr>
+            <a:endParaRPr lang="pt-PT" sz="1800" dirty="0">
+              <a:latin typeface="Consolas" panose="020B0609020204030204" pitchFamily="49" charset="0"/>
+            </a:endParaRPr>
+          </a:p>
+          <a:p>
+            <a:pPr marL="0" indent="0">
+              <a:buNone/>
+            </a:pPr>
+            <a:endParaRPr lang="pt-PT" sz="1800" dirty="0">
+              <a:latin typeface="Consolas" panose="020B0609020204030204" pitchFamily="49" charset="0"/>
+            </a:endParaRPr>
+          </a:p>
+          <a:p>
+            <a:pPr marL="0" indent="0">
+              <a:buNone/>
+            </a:pPr>
+            <a:endParaRPr lang="pt-PT" sz="1800" dirty="0">
+              <a:latin typeface="Consolas" panose="020B0609020204030204" pitchFamily="49" charset="0"/>
+            </a:endParaRPr>
+          </a:p>
+        </p:txBody>
+      </p:sp>
+      <p:sp>
+        <p:nvSpPr>
+          <p:cNvPr id="4" name="Retângulo 3">
+            <a:extLst>
+              <a:ext uri="{FF2B5EF4-FFF2-40B4-BE49-F238E27FC236}">
+                <a16:creationId xmlns:a16="http://schemas.microsoft.com/office/drawing/2014/main" id="{18E45C47-E7FC-417E-A199-DB0BFCBBD997}"/>
               </a:ext>
             </a:extLst>
           </p:cNvPr>
@@ -3213,591 +3590,132 @@
         </p:nvSpPr>
         <p:spPr>
           <a:xfrm>
-            <a:off x="4187687" y="1690688"/>
-            <a:ext cx="8004313" cy="1477328"/>
+            <a:off x="5695123" y="2870008"/>
+            <a:ext cx="6096000" cy="3139321"/>
           </a:xfrm>
           <a:prstGeom prst="rect">
             <a:avLst/>
           </a:prstGeom>
         </p:spPr>
-        <p:txBody>
-          <a:bodyPr wrap="square">
+        <p:style>
+          <a:lnRef idx="2">
+            <a:schemeClr val="accent5">
+              <a:shade val="50000"/>
+            </a:schemeClr>
+          </a:lnRef>
+          <a:fillRef idx="1">
+            <a:schemeClr val="accent5"/>
+          </a:fillRef>
+          <a:effectRef idx="0">
+            <a:schemeClr val="accent5"/>
+          </a:effectRef>
+          <a:fontRef idx="minor">
+            <a:schemeClr val="lt1"/>
+          </a:fontRef>
+        </p:style>
+        <p:txBody>
+          <a:bodyPr>
             <a:spAutoFit/>
           </a:bodyPr>
           <a:lstStyle/>
           <a:p>
             <a:r>
-              <a:rPr lang="pt-PT" b="1" dirty="0" err="1">
-                <a:solidFill>
-                  <a:srgbClr val="1290C3"/>
-                </a:solidFill>
+              <a:rPr lang="pt-PT" dirty="0">
                 <a:latin typeface="Consolas" panose="020B0609020204030204" pitchFamily="49" charset="0"/>
               </a:rPr>
-              <a:t>String</a:t>
-            </a:r>
-            <a:r>
-              <a:rPr lang="pt-PT" b="1" dirty="0">
-                <a:solidFill>
-                  <a:srgbClr val="F9FAF4"/>
-                </a:solidFill>
+              <a:t>JSON:</a:t>
+            </a:r>
+          </a:p>
+          <a:p>
+            <a:r>
+              <a:rPr lang="pt-PT" dirty="0">
                 <a:latin typeface="Consolas" panose="020B0609020204030204" pitchFamily="49" charset="0"/>
               </a:rPr>
-              <a:t>[]</a:t>
-            </a:r>
-            <a:r>
-              <a:rPr lang="pt-PT" b="1" dirty="0">
-                <a:solidFill>
-                  <a:srgbClr val="D9E8F7"/>
-                </a:solidFill>
+              <a:t>“</a:t>
+            </a:r>
+            <a:r>
+              <a:rPr lang="pt-PT" dirty="0" err="1">
                 <a:latin typeface="Consolas" panose="020B0609020204030204" pitchFamily="49" charset="0"/>
               </a:rPr>
-              <a:t> </a:t>
-            </a:r>
-            <a:r>
-              <a:rPr lang="pt-PT" b="1" dirty="0" err="1">
-                <a:solidFill>
-                  <a:srgbClr val="ED7F48"/>
-                </a:solidFill>
+              <a:t>listaDeCompras</a:t>
+            </a:r>
+            <a:r>
+              <a:rPr lang="pt-PT" dirty="0">
                 <a:latin typeface="Consolas" panose="020B0609020204030204" pitchFamily="49" charset="0"/>
               </a:rPr>
-              <a:t>partesDotextoRecebido</a:t>
-            </a:r>
-            <a:r>
-              <a:rPr lang="pt-PT" b="1" dirty="0">
-                <a:solidFill>
-                  <a:srgbClr val="D9E8F7"/>
-                </a:solidFill>
+              <a:t>” : {</a:t>
+            </a:r>
+          </a:p>
+          <a:p>
+            <a:r>
+              <a:rPr lang="pt-PT" dirty="0">
                 <a:latin typeface="Consolas" panose="020B0609020204030204" pitchFamily="49" charset="0"/>
               </a:rPr>
-              <a:t> </a:t>
-            </a:r>
-            <a:r>
-              <a:rPr lang="pt-PT" b="1" dirty="0">
-                <a:solidFill>
-                  <a:srgbClr val="E6E6FA"/>
-                </a:solidFill>
+              <a:t>   “item”: {</a:t>
+            </a:r>
+          </a:p>
+          <a:p>
+            <a:r>
+              <a:rPr lang="pt-PT" dirty="0">
                 <a:latin typeface="Consolas" panose="020B0609020204030204" pitchFamily="49" charset="0"/>
               </a:rPr>
-              <a:t>=</a:t>
-            </a:r>
-            <a:r>
-              <a:rPr lang="pt-PT" b="1" dirty="0">
-                <a:solidFill>
-                  <a:srgbClr val="D9E8F7"/>
-                </a:solidFill>
+              <a:t>      “quantidade” : 5,</a:t>
+            </a:r>
+          </a:p>
+          <a:p>
+            <a:r>
+              <a:rPr lang="pt-PT" dirty="0">
                 <a:latin typeface="Consolas" panose="020B0609020204030204" pitchFamily="49" charset="0"/>
               </a:rPr>
-              <a:t> </a:t>
-            </a:r>
-            <a:r>
-              <a:rPr lang="pt-PT" b="1" dirty="0" err="1">
-                <a:solidFill>
-                  <a:srgbClr val="FFBF26"/>
-                </a:solidFill>
+              <a:t>      “descrição” : “Maçã”</a:t>
+            </a:r>
+          </a:p>
+          <a:p>
+            <a:r>
+              <a:rPr lang="pt-PT" dirty="0">
                 <a:latin typeface="Consolas" panose="020B0609020204030204" pitchFamily="49" charset="0"/>
               </a:rPr>
-              <a:t>textoRecebido</a:t>
-            </a:r>
-            <a:r>
-              <a:rPr lang="pt-PT" b="1" dirty="0" err="1">
-                <a:solidFill>
-                  <a:srgbClr val="E6E6FA"/>
-                </a:solidFill>
+              <a:t>   },</a:t>
+            </a:r>
+          </a:p>
+          <a:p>
+            <a:r>
+              <a:rPr lang="pt-PT" dirty="0">
                 <a:latin typeface="Consolas" panose="020B0609020204030204" pitchFamily="49" charset="0"/>
               </a:rPr>
-              <a:t>.</a:t>
-            </a:r>
-            <a:r>
-              <a:rPr lang="pt-PT" b="1" dirty="0" err="1">
-                <a:solidFill>
-                  <a:srgbClr val="A7EC21"/>
-                </a:solidFill>
+              <a:t>   “item”: {</a:t>
+            </a:r>
+          </a:p>
+          <a:p>
+            <a:r>
+              <a:rPr lang="pt-PT" dirty="0">
                 <a:latin typeface="Consolas" panose="020B0609020204030204" pitchFamily="49" charset="0"/>
               </a:rPr>
-              <a:t>split</a:t>
-            </a:r>
-            <a:r>
-              <a:rPr lang="pt-PT" b="1" dirty="0">
-                <a:solidFill>
-                  <a:srgbClr val="F9FAF4"/>
-                </a:solidFill>
+              <a:t>      “quantidade” : 5,</a:t>
+            </a:r>
+          </a:p>
+          <a:p>
+            <a:r>
+              <a:rPr lang="pt-PT" dirty="0">
                 <a:latin typeface="Consolas" panose="020B0609020204030204" pitchFamily="49" charset="0"/>
               </a:rPr>
-              <a:t>(</a:t>
-            </a:r>
-            <a:r>
-              <a:rPr lang="pt-PT" b="1" dirty="0">
-                <a:solidFill>
-                  <a:srgbClr val="17C6A3"/>
-                </a:solidFill>
+              <a:t>      “descrição” : “Maçã”</a:t>
+            </a:r>
+          </a:p>
+          <a:p>
+            <a:r>
+              <a:rPr lang="pt-PT" dirty="0">
                 <a:latin typeface="Consolas" panose="020B0609020204030204" pitchFamily="49" charset="0"/>
               </a:rPr>
-              <a:t>"&lt;</a:t>
-            </a:r>
-            <a:r>
-              <a:rPr lang="pt-PT" b="1" dirty="0" err="1">
-                <a:solidFill>
-                  <a:srgbClr val="17C6A3"/>
-                </a:solidFill>
+              <a:t>   }</a:t>
+            </a:r>
+          </a:p>
+          <a:p>
+            <a:r>
+              <a:rPr lang="pt-PT" dirty="0">
                 <a:latin typeface="Consolas" panose="020B0609020204030204" pitchFamily="49" charset="0"/>
               </a:rPr>
-              <a:t>img</a:t>
-            </a:r>
-            <a:r>
-              <a:rPr lang="pt-PT" b="1" dirty="0">
-                <a:solidFill>
-                  <a:srgbClr val="17C6A3"/>
-                </a:solidFill>
-                <a:latin typeface="Consolas" panose="020B0609020204030204" pitchFamily="49" charset="0"/>
-              </a:rPr>
-              <a:t> </a:t>
-            </a:r>
-            <a:r>
-              <a:rPr lang="pt-PT" b="1" dirty="0" err="1">
-                <a:solidFill>
-                  <a:srgbClr val="17C6A3"/>
-                </a:solidFill>
-                <a:latin typeface="Consolas" panose="020B0609020204030204" pitchFamily="49" charset="0"/>
-              </a:rPr>
-              <a:t>src</a:t>
-            </a:r>
-            <a:r>
-              <a:rPr lang="pt-PT" b="1" dirty="0">
-                <a:solidFill>
-                  <a:srgbClr val="17C6A3"/>
-                </a:solidFill>
-                <a:latin typeface="Consolas" panose="020B0609020204030204" pitchFamily="49" charset="0"/>
-              </a:rPr>
-              <a:t>=\""</a:t>
-            </a:r>
-            <a:r>
-              <a:rPr lang="pt-PT" b="1" dirty="0">
-                <a:solidFill>
-                  <a:srgbClr val="F9FAF4"/>
-                </a:solidFill>
-                <a:latin typeface="Consolas" panose="020B0609020204030204" pitchFamily="49" charset="0"/>
-              </a:rPr>
-              <a:t>)</a:t>
-            </a:r>
-            <a:r>
-              <a:rPr lang="pt-PT" b="1" dirty="0">
-                <a:solidFill>
-                  <a:srgbClr val="E6E6FA"/>
-                </a:solidFill>
-                <a:latin typeface="Consolas" panose="020B0609020204030204" pitchFamily="49" charset="0"/>
-              </a:rPr>
-              <a:t>;</a:t>
-            </a:r>
-          </a:p>
-          <a:p>
-            <a:r>
-              <a:rPr lang="pt-PT" b="1" dirty="0">
-                <a:solidFill>
-                  <a:srgbClr val="DD2867"/>
-                </a:solidFill>
-                <a:latin typeface="Consolas" panose="020B0609020204030204" pitchFamily="49" charset="0"/>
-              </a:rPr>
-              <a:t>for</a:t>
-            </a:r>
-            <a:r>
-              <a:rPr lang="pt-PT" b="1" dirty="0">
-                <a:solidFill>
-                  <a:srgbClr val="F9FAF4"/>
-                </a:solidFill>
-                <a:latin typeface="Consolas" panose="020B0609020204030204" pitchFamily="49" charset="0"/>
-              </a:rPr>
-              <a:t>(</a:t>
-            </a:r>
-            <a:r>
-              <a:rPr lang="pt-PT" b="1" dirty="0" err="1">
-                <a:solidFill>
-                  <a:srgbClr val="DD2867"/>
-                </a:solidFill>
-                <a:latin typeface="Consolas" panose="020B0609020204030204" pitchFamily="49" charset="0"/>
-              </a:rPr>
-              <a:t>int</a:t>
-            </a:r>
-            <a:r>
-              <a:rPr lang="pt-PT" b="1" dirty="0">
-                <a:solidFill>
-                  <a:srgbClr val="D9E8F7"/>
-                </a:solidFill>
-                <a:latin typeface="Consolas" panose="020B0609020204030204" pitchFamily="49" charset="0"/>
-              </a:rPr>
-              <a:t> </a:t>
-            </a:r>
-            <a:r>
-              <a:rPr lang="pt-PT" b="1" dirty="0">
-                <a:solidFill>
-                  <a:srgbClr val="ED7F48"/>
-                </a:solidFill>
-                <a:latin typeface="Consolas" panose="020B0609020204030204" pitchFamily="49" charset="0"/>
-              </a:rPr>
-              <a:t>i</a:t>
-            </a:r>
-            <a:r>
-              <a:rPr lang="pt-PT" b="1" dirty="0">
-                <a:solidFill>
-                  <a:srgbClr val="D9E8F7"/>
-                </a:solidFill>
-                <a:latin typeface="Consolas" panose="020B0609020204030204" pitchFamily="49" charset="0"/>
-              </a:rPr>
-              <a:t> </a:t>
-            </a:r>
-            <a:r>
-              <a:rPr lang="pt-PT" b="1" dirty="0">
-                <a:solidFill>
-                  <a:srgbClr val="E6E6FA"/>
-                </a:solidFill>
-                <a:latin typeface="Consolas" panose="020B0609020204030204" pitchFamily="49" charset="0"/>
-              </a:rPr>
-              <a:t>=</a:t>
-            </a:r>
-            <a:r>
-              <a:rPr lang="pt-PT" b="1" dirty="0">
-                <a:solidFill>
-                  <a:srgbClr val="D9E8F7"/>
-                </a:solidFill>
-                <a:latin typeface="Consolas" panose="020B0609020204030204" pitchFamily="49" charset="0"/>
-              </a:rPr>
-              <a:t> </a:t>
-            </a:r>
-            <a:r>
-              <a:rPr lang="pt-PT" b="1" dirty="0">
-                <a:solidFill>
-                  <a:srgbClr val="6897BB"/>
-                </a:solidFill>
-                <a:latin typeface="Consolas" panose="020B0609020204030204" pitchFamily="49" charset="0"/>
-              </a:rPr>
-              <a:t>1</a:t>
-            </a:r>
-            <a:r>
-              <a:rPr lang="pt-PT" b="1" dirty="0">
-                <a:solidFill>
-                  <a:srgbClr val="E6E6FA"/>
-                </a:solidFill>
-                <a:latin typeface="Consolas" panose="020B0609020204030204" pitchFamily="49" charset="0"/>
-              </a:rPr>
-              <a:t>;</a:t>
-            </a:r>
-            <a:r>
-              <a:rPr lang="pt-PT" b="1" dirty="0">
-                <a:solidFill>
-                  <a:srgbClr val="D9E8F7"/>
-                </a:solidFill>
-                <a:latin typeface="Consolas" panose="020B0609020204030204" pitchFamily="49" charset="0"/>
-              </a:rPr>
-              <a:t> </a:t>
-            </a:r>
-            <a:r>
-              <a:rPr lang="pt-PT" b="1" dirty="0">
-                <a:solidFill>
-                  <a:srgbClr val="FFBF26"/>
-                </a:solidFill>
-                <a:latin typeface="Consolas" panose="020B0609020204030204" pitchFamily="49" charset="0"/>
-              </a:rPr>
-              <a:t>i</a:t>
-            </a:r>
-            <a:r>
-              <a:rPr lang="pt-PT" b="1" dirty="0">
-                <a:solidFill>
-                  <a:srgbClr val="D9E8F7"/>
-                </a:solidFill>
-                <a:latin typeface="Consolas" panose="020B0609020204030204" pitchFamily="49" charset="0"/>
-              </a:rPr>
-              <a:t> </a:t>
-            </a:r>
-            <a:r>
-              <a:rPr lang="pt-PT" b="1" dirty="0">
-                <a:solidFill>
-                  <a:srgbClr val="E6E6FA"/>
-                </a:solidFill>
-                <a:latin typeface="Consolas" panose="020B0609020204030204" pitchFamily="49" charset="0"/>
-              </a:rPr>
-              <a:t>&lt;</a:t>
-            </a:r>
-            <a:r>
-              <a:rPr lang="pt-PT" b="1" dirty="0">
-                <a:solidFill>
-                  <a:srgbClr val="D9E8F7"/>
-                </a:solidFill>
-                <a:latin typeface="Consolas" panose="020B0609020204030204" pitchFamily="49" charset="0"/>
-              </a:rPr>
-              <a:t> </a:t>
-            </a:r>
-            <a:r>
-              <a:rPr lang="pt-PT" b="1" dirty="0" err="1">
-                <a:solidFill>
-                  <a:srgbClr val="FFBF26"/>
-                </a:solidFill>
-                <a:latin typeface="Consolas" panose="020B0609020204030204" pitchFamily="49" charset="0"/>
-              </a:rPr>
-              <a:t>partesDotextoRecebido</a:t>
-            </a:r>
-            <a:r>
-              <a:rPr lang="pt-PT" b="1" dirty="0" err="1">
-                <a:solidFill>
-                  <a:srgbClr val="E6E6FA"/>
-                </a:solidFill>
-                <a:latin typeface="Consolas" panose="020B0609020204030204" pitchFamily="49" charset="0"/>
-              </a:rPr>
-              <a:t>.</a:t>
-            </a:r>
-            <a:r>
-              <a:rPr lang="pt-PT" b="1" dirty="0" err="1">
-                <a:solidFill>
-                  <a:srgbClr val="66E1F8"/>
-                </a:solidFill>
-                <a:latin typeface="Consolas" panose="020B0609020204030204" pitchFamily="49" charset="0"/>
-              </a:rPr>
-              <a:t>length</a:t>
-            </a:r>
-            <a:r>
-              <a:rPr lang="pt-PT" b="1" dirty="0">
-                <a:solidFill>
-                  <a:srgbClr val="E6E6FA"/>
-                </a:solidFill>
-                <a:latin typeface="Consolas" panose="020B0609020204030204" pitchFamily="49" charset="0"/>
-              </a:rPr>
-              <a:t>;</a:t>
-            </a:r>
-            <a:r>
-              <a:rPr lang="pt-PT" b="1" dirty="0">
-                <a:solidFill>
-                  <a:srgbClr val="D9E8F7"/>
-                </a:solidFill>
-                <a:latin typeface="Consolas" panose="020B0609020204030204" pitchFamily="49" charset="0"/>
-              </a:rPr>
-              <a:t> </a:t>
-            </a:r>
-            <a:r>
-              <a:rPr lang="pt-PT" b="1" dirty="0">
-                <a:solidFill>
-                  <a:srgbClr val="FFBF26"/>
-                </a:solidFill>
-                <a:latin typeface="Consolas" panose="020B0609020204030204" pitchFamily="49" charset="0"/>
-              </a:rPr>
-              <a:t>i</a:t>
-            </a:r>
-            <a:r>
-              <a:rPr lang="pt-PT" b="1" dirty="0">
-                <a:solidFill>
-                  <a:srgbClr val="E6E6FA"/>
-                </a:solidFill>
-                <a:latin typeface="Consolas" panose="020B0609020204030204" pitchFamily="49" charset="0"/>
-              </a:rPr>
-              <a:t>++</a:t>
-            </a:r>
-            <a:r>
-              <a:rPr lang="pt-PT" b="1" dirty="0">
-                <a:solidFill>
-                  <a:srgbClr val="F9FAF4"/>
-                </a:solidFill>
-                <a:latin typeface="Consolas" panose="020B0609020204030204" pitchFamily="49" charset="0"/>
-              </a:rPr>
-              <a:t>){</a:t>
-            </a:r>
-          </a:p>
-          <a:p>
-            <a:r>
-              <a:rPr lang="pt-PT" b="1" dirty="0">
-                <a:solidFill>
-                  <a:srgbClr val="1290C3"/>
-                </a:solidFill>
-                <a:latin typeface="Consolas" panose="020B0609020204030204" pitchFamily="49" charset="0"/>
-              </a:rPr>
-              <a:t>	</a:t>
-            </a:r>
-            <a:r>
-              <a:rPr lang="pt-PT" b="1" dirty="0" err="1">
-                <a:solidFill>
-                  <a:srgbClr val="1290C3"/>
-                </a:solidFill>
-                <a:latin typeface="Consolas" panose="020B0609020204030204" pitchFamily="49" charset="0"/>
-              </a:rPr>
-              <a:t>String</a:t>
-            </a:r>
-            <a:r>
-              <a:rPr lang="pt-PT" b="1" dirty="0">
-                <a:solidFill>
-                  <a:srgbClr val="D9E8F7"/>
-                </a:solidFill>
-                <a:latin typeface="Consolas" panose="020B0609020204030204" pitchFamily="49" charset="0"/>
-              </a:rPr>
-              <a:t> </a:t>
-            </a:r>
-            <a:r>
-              <a:rPr lang="pt-PT" b="1" dirty="0">
-                <a:solidFill>
-                  <a:srgbClr val="ED7F48"/>
-                </a:solidFill>
-                <a:latin typeface="Consolas" panose="020B0609020204030204" pitchFamily="49" charset="0"/>
-              </a:rPr>
-              <a:t>link</a:t>
-            </a:r>
-            <a:r>
-              <a:rPr lang="pt-PT" b="1" dirty="0">
-                <a:solidFill>
-                  <a:srgbClr val="D9E8F7"/>
-                </a:solidFill>
-                <a:latin typeface="Consolas" panose="020B0609020204030204" pitchFamily="49" charset="0"/>
-              </a:rPr>
-              <a:t> </a:t>
-            </a:r>
-            <a:r>
-              <a:rPr lang="pt-PT" b="1" dirty="0">
-                <a:solidFill>
-                  <a:srgbClr val="E6E6FA"/>
-                </a:solidFill>
-                <a:latin typeface="Consolas" panose="020B0609020204030204" pitchFamily="49" charset="0"/>
-              </a:rPr>
-              <a:t>=</a:t>
-            </a:r>
-            <a:r>
-              <a:rPr lang="pt-PT" b="1" dirty="0">
-                <a:solidFill>
-                  <a:srgbClr val="D9E8F7"/>
-                </a:solidFill>
-                <a:latin typeface="Consolas" panose="020B0609020204030204" pitchFamily="49" charset="0"/>
-              </a:rPr>
-              <a:t> </a:t>
-            </a:r>
-            <a:r>
-              <a:rPr lang="pt-PT" b="1" dirty="0" err="1">
-                <a:solidFill>
-                  <a:srgbClr val="FFBF26"/>
-                </a:solidFill>
-                <a:latin typeface="Consolas" panose="020B0609020204030204" pitchFamily="49" charset="0"/>
-              </a:rPr>
-              <a:t>partesDotextoRecebido</a:t>
-            </a:r>
-            <a:r>
-              <a:rPr lang="pt-PT" b="1" dirty="0">
-                <a:solidFill>
-                  <a:srgbClr val="F9FAF4"/>
-                </a:solidFill>
-                <a:latin typeface="Consolas" panose="020B0609020204030204" pitchFamily="49" charset="0"/>
-              </a:rPr>
-              <a:t>[</a:t>
-            </a:r>
-            <a:r>
-              <a:rPr lang="pt-PT" b="1" dirty="0">
-                <a:solidFill>
-                  <a:srgbClr val="FFBF26"/>
-                </a:solidFill>
-                <a:latin typeface="Consolas" panose="020B0609020204030204" pitchFamily="49" charset="0"/>
-              </a:rPr>
-              <a:t>i</a:t>
-            </a:r>
-            <a:r>
-              <a:rPr lang="pt-PT" b="1" dirty="0">
-                <a:solidFill>
-                  <a:srgbClr val="F9FAF4"/>
-                </a:solidFill>
-                <a:latin typeface="Consolas" panose="020B0609020204030204" pitchFamily="49" charset="0"/>
-              </a:rPr>
-              <a:t>]</a:t>
-            </a:r>
-            <a:r>
-              <a:rPr lang="pt-PT" b="1" dirty="0">
-                <a:solidFill>
-                  <a:srgbClr val="E6E6FA"/>
-                </a:solidFill>
-                <a:latin typeface="Consolas" panose="020B0609020204030204" pitchFamily="49" charset="0"/>
-              </a:rPr>
-              <a:t>.</a:t>
-            </a:r>
-            <a:r>
-              <a:rPr lang="pt-PT" b="1" dirty="0" err="1">
-                <a:solidFill>
-                  <a:srgbClr val="A7EC21"/>
-                </a:solidFill>
-                <a:latin typeface="Consolas" panose="020B0609020204030204" pitchFamily="49" charset="0"/>
-              </a:rPr>
-              <a:t>split</a:t>
-            </a:r>
-            <a:r>
-              <a:rPr lang="pt-PT" b="1" dirty="0">
-                <a:solidFill>
-                  <a:srgbClr val="F9FAF4"/>
-                </a:solidFill>
-                <a:latin typeface="Consolas" panose="020B0609020204030204" pitchFamily="49" charset="0"/>
-              </a:rPr>
-              <a:t>(</a:t>
-            </a:r>
-            <a:r>
-              <a:rPr lang="pt-PT" b="1" dirty="0">
-                <a:solidFill>
-                  <a:srgbClr val="17C6A3"/>
-                </a:solidFill>
-                <a:latin typeface="Consolas" panose="020B0609020204030204" pitchFamily="49" charset="0"/>
-              </a:rPr>
-              <a:t>"\""</a:t>
-            </a:r>
-            <a:r>
-              <a:rPr lang="pt-PT" b="1" dirty="0">
-                <a:solidFill>
-                  <a:srgbClr val="F9FAF4"/>
-                </a:solidFill>
-                <a:latin typeface="Consolas" panose="020B0609020204030204" pitchFamily="49" charset="0"/>
-              </a:rPr>
-              <a:t>)[</a:t>
-            </a:r>
-            <a:r>
-              <a:rPr lang="pt-PT" b="1" dirty="0">
-                <a:solidFill>
-                  <a:srgbClr val="6897BB"/>
-                </a:solidFill>
-                <a:latin typeface="Consolas" panose="020B0609020204030204" pitchFamily="49" charset="0"/>
-              </a:rPr>
-              <a:t>0</a:t>
-            </a:r>
-            <a:r>
-              <a:rPr lang="pt-PT" b="1" dirty="0">
-                <a:solidFill>
-                  <a:srgbClr val="F9FAF4"/>
-                </a:solidFill>
-                <a:latin typeface="Consolas" panose="020B0609020204030204" pitchFamily="49" charset="0"/>
-              </a:rPr>
-              <a:t>]</a:t>
-            </a:r>
-            <a:r>
-              <a:rPr lang="pt-PT" b="1" dirty="0">
-                <a:solidFill>
-                  <a:srgbClr val="E6E6FA"/>
-                </a:solidFill>
-                <a:latin typeface="Consolas" panose="020B0609020204030204" pitchFamily="49" charset="0"/>
-              </a:rPr>
-              <a:t>;</a:t>
-            </a:r>
-          </a:p>
-          <a:p>
-            <a:r>
-              <a:rPr lang="pt-PT" dirty="0">
-                <a:solidFill>
-                  <a:srgbClr val="F9FAF4"/>
-                </a:solidFill>
-                <a:latin typeface="Consolas" panose="020B0609020204030204" pitchFamily="49" charset="0"/>
-              </a:rPr>
               <a:t>}</a:t>
-            </a:r>
-            <a:r>
-              <a:rPr lang="pt-PT" dirty="0">
-                <a:solidFill>
-                  <a:srgbClr val="D9E8F7"/>
-                </a:solidFill>
-                <a:latin typeface="Consolas" panose="020B0609020204030204" pitchFamily="49" charset="0"/>
-              </a:rPr>
-              <a:t> </a:t>
-            </a:r>
-            <a:r>
-              <a:rPr lang="pt-PT" dirty="0">
-                <a:solidFill>
-                  <a:srgbClr val="626262"/>
-                </a:solidFill>
-                <a:latin typeface="Consolas" panose="020B0609020204030204" pitchFamily="49" charset="0"/>
-              </a:rPr>
-              <a:t>//for</a:t>
             </a:r>
           </a:p>
         </p:txBody>
@@ -3805,7 +3723,7 @@
     </p:spTree>
     <p:extLst>
       <p:ext uri="{BB962C8B-B14F-4D97-AF65-F5344CB8AC3E}">
-        <p14:creationId xmlns:p14="http://schemas.microsoft.com/office/powerpoint/2010/main" val="2089519232"/>
+        <p14:creationId xmlns:p14="http://schemas.microsoft.com/office/powerpoint/2010/main" val="3536216148"/>
       </p:ext>
     </p:extLst>
   </p:cSld>
@@ -3833,7 +3751,7 @@
                             </p:stCondLst>
                             <p:childTnLst>
                               <p:par>
-                                <p:cTn id="5" presetID="10" presetClass="entr" presetSubtype="0" fill="hold" nodeType="clickEffect">
+                                <p:cTn id="5" presetID="10" presetClass="entr" presetSubtype="0" fill="hold" grpId="0" nodeType="clickEffect">
                                   <p:stCondLst>
                                     <p:cond delay="0"/>
                                   </p:stCondLst>
@@ -3846,11 +3764,7 @@
                                           </p:stCondLst>
                                         </p:cTn>
                                         <p:tgtEl>
-                                          <p:spTgt spid="3">
-                                            <p:txEl>
-                                              <p:pRg st="5" end="5"/>
-                                            </p:txEl>
-                                          </p:spTgt>
+                                          <p:spTgt spid="5"/>
                                         </p:tgtEl>
                                         <p:attrNameLst>
                                           <p:attrName>style.visibility</p:attrName>
@@ -3864,11 +3778,7 @@
                                       <p:cBhvr>
                                         <p:cTn id="7" dur="500"/>
                                         <p:tgtEl>
-                                          <p:spTgt spid="3">
-                                            <p:txEl>
-                                              <p:pRg st="5" end="5"/>
-                                            </p:txEl>
-                                          </p:spTgt>
+                                          <p:spTgt spid="5"/>
                                         </p:tgtEl>
                                       </p:cBhvr>
                                     </p:animEffect>
@@ -3878,31 +3788,36 @@
                             </p:childTnLst>
                           </p:cTn>
                         </p:par>
+                      </p:childTnLst>
+                    </p:cTn>
+                  </p:par>
+                  <p:par>
+                    <p:cTn id="8" fill="hold">
+                      <p:stCondLst>
+                        <p:cond delay="indefinite"/>
+                      </p:stCondLst>
+                      <p:childTnLst>
                         <p:par>
-                          <p:cTn id="8" fill="hold">
+                          <p:cTn id="9" fill="hold">
                             <p:stCondLst>
-                              <p:cond delay="500"/>
+                              <p:cond delay="0"/>
                             </p:stCondLst>
                             <p:childTnLst>
                               <p:par>
-                                <p:cTn id="9" presetID="42" presetClass="entr" presetSubtype="0" fill="hold" nodeType="afterEffect">
+                                <p:cTn id="10" presetID="10" presetClass="entr" presetSubtype="0" fill="hold" grpId="0" nodeType="clickEffect">
                                   <p:stCondLst>
                                     <p:cond delay="0"/>
                                   </p:stCondLst>
                                   <p:childTnLst>
                                     <p:set>
                                       <p:cBhvr>
-                                        <p:cTn id="10" dur="1" fill="hold">
+                                        <p:cTn id="11" dur="1" fill="hold">
                                           <p:stCondLst>
                                             <p:cond delay="0"/>
                                           </p:stCondLst>
                                         </p:cTn>
                                         <p:tgtEl>
-                                          <p:spTgt spid="3">
-                                            <p:txEl>
-                                              <p:pRg st="6" end="6"/>
-                                            </p:txEl>
-                                          </p:spTgt>
+                                          <p:spTgt spid="4"/>
                                         </p:tgtEl>
                                         <p:attrNameLst>
                                           <p:attrName>style.visibility</p:attrName>
@@ -3914,70 +3829,12 @@
                                     </p:set>
                                     <p:animEffect transition="in" filter="fade">
                                       <p:cBhvr>
-                                        <p:cTn id="11" dur="1000"/>
+                                        <p:cTn id="12" dur="500"/>
                                         <p:tgtEl>
-                                          <p:spTgt spid="3">
-                                            <p:txEl>
-                                              <p:pRg st="6" end="6"/>
-                                            </p:txEl>
-                                          </p:spTgt>
+                                          <p:spTgt spid="4"/>
                                         </p:tgtEl>
                                       </p:cBhvr>
                                     </p:animEffect>
-                                    <p:anim calcmode="lin" valueType="num">
-                                      <p:cBhvr>
-                                        <p:cTn id="12" dur="1000" fill="hold"/>
-                                        <p:tgtEl>
-                                          <p:spTgt spid="3">
-                                            <p:txEl>
-                                              <p:pRg st="6" end="6"/>
-                                            </p:txEl>
-                                          </p:spTgt>
-                                        </p:tgtEl>
-                                        <p:attrNameLst>
-                                          <p:attrName>ppt_x</p:attrName>
-                                        </p:attrNameLst>
-                                      </p:cBhvr>
-                                      <p:tavLst>
-                                        <p:tav tm="0">
-                                          <p:val>
-                                            <p:strVal val="#ppt_x"/>
-                                          </p:val>
-                                        </p:tav>
-                                        <p:tav tm="100000">
-                                          <p:val>
-                                            <p:strVal val="#ppt_x"/>
-                                          </p:val>
-                                        </p:tav>
-                                      </p:tavLst>
-                                    </p:anim>
-                                    <p:anim calcmode="lin" valueType="num">
-                                      <p:cBhvr>
-                                        <p:cTn id="13" dur="1000" fill="hold"/>
-                                        <p:tgtEl>
-                                          <p:spTgt spid="3">
-                                            <p:txEl>
-                                              <p:pRg st="6" end="6"/>
-                                            </p:txEl>
-                                          </p:spTgt>
-                                        </p:tgtEl>
-                                        <p:attrNameLst>
-                                          <p:attrName>ppt_y</p:attrName>
-                                        </p:attrNameLst>
-                                      </p:cBhvr>
-                                      <p:tavLst>
-                                        <p:tav tm="0">
-                                          <p:val>
-                                            <p:strVal val="#ppt_y+.1"/>
-                                          </p:val>
-                                        </p:tav>
-                                        <p:tav tm="100000">
-                                          <p:val>
-                                            <p:strVal val="#ppt_y"/>
-                                          </p:val>
-                                        </p:tav>
-                                      </p:tavLst>
-                                    </p:anim>
                                   </p:childTnLst>
                                 </p:cTn>
                               </p:par>
@@ -4008,6 +3865,10 @@
         </p:cTn>
       </p:par>
     </p:tnLst>
+    <p:bldLst>
+      <p:bldP spid="5" grpId="0" animBg="1"/>
+      <p:bldP spid="4" grpId="0" animBg="1"/>
+    </p:bldLst>
   </p:timing>
 </p:sld>
 </file>
@@ -4059,7 +3920,7 @@
                   </a:schemeClr>
                 </a:solidFill>
               </a:rPr>
-              <a:t>Expressões regulares</a:t>
+              <a:t>Como utilizar XML e JSON em Java?</a:t>
             </a:r>
           </a:p>
         </p:txBody>
@@ -4091,908 +3952,38 @@
               <a:rPr lang="pt-PT" sz="1800" dirty="0">
                 <a:latin typeface="Consolas" panose="020B0609020204030204" pitchFamily="49" charset="0"/>
               </a:rPr>
-              <a:t>Stephen Cole </a:t>
-            </a:r>
+              <a:t>XML:</a:t>
+            </a:r>
+          </a:p>
+          <a:p>
+            <a:pPr marL="0" indent="0">
+              <a:buNone/>
+            </a:pPr>
             <a:r>
               <a:rPr lang="pt-PT" sz="1800" dirty="0" err="1">
                 <a:latin typeface="Consolas" panose="020B0609020204030204" pitchFamily="49" charset="0"/>
-              </a:rPr>
-              <a:t>Kleene</a:t>
+                <a:hlinkClick r:id="rId2"/>
+              </a:rPr>
+              <a:t>DocumentBuilder</a:t>
             </a:r>
             <a:endParaRPr lang="pt-PT" sz="1800" dirty="0">
               <a:latin typeface="Consolas" panose="020B0609020204030204" pitchFamily="49" charset="0"/>
             </a:endParaRPr>
           </a:p>
           <a:p>
-            <a:r>
-              <a:rPr lang="pt-PT" sz="1800" dirty="0">
-                <a:latin typeface="Consolas" panose="020B0609020204030204" pitchFamily="49" charset="0"/>
-              </a:rPr>
-              <a:t>Álgebra de conjuntos regulares</a:t>
-            </a:r>
-          </a:p>
-          <a:p>
-            <a:r>
-              <a:rPr lang="pt-PT" sz="1800" dirty="0">
-                <a:latin typeface="Consolas" panose="020B0609020204030204" pitchFamily="49" charset="0"/>
-              </a:rPr>
-              <a:t>Procura e substituição de texto</a:t>
-            </a:r>
-          </a:p>
-          <a:p>
-            <a:r>
-              <a:rPr lang="pt-PT" sz="1800" dirty="0">
-                <a:latin typeface="Consolas" panose="020B0609020204030204" pitchFamily="49" charset="0"/>
-              </a:rPr>
-              <a:t>Validação de formatos de texto</a:t>
-            </a:r>
-          </a:p>
-          <a:p>
-            <a:r>
-              <a:rPr lang="pt-PT" sz="1800" dirty="0">
-                <a:latin typeface="Consolas" panose="020B0609020204030204" pitchFamily="49" charset="0"/>
-              </a:rPr>
-              <a:t>Realce de sintaxe</a:t>
-            </a:r>
-          </a:p>
-          <a:p>
-            <a:r>
-              <a:rPr lang="pt-PT" sz="1800" dirty="0">
-                <a:latin typeface="Consolas" panose="020B0609020204030204" pitchFamily="49" charset="0"/>
-              </a:rPr>
-              <a:t>Filtragem de informação.</a:t>
-            </a:r>
-          </a:p>
-        </p:txBody>
-      </p:sp>
-      <p:pic>
-        <p:nvPicPr>
-          <p:cNvPr id="1030" name="Picture 6" descr="Resultado de imagem para regex">
-            <a:extLst>
-              <a:ext uri="{FF2B5EF4-FFF2-40B4-BE49-F238E27FC236}">
-                <a16:creationId xmlns:a16="http://schemas.microsoft.com/office/drawing/2014/main" id="{DA557E51-4607-45A2-930D-9CB86939A97B}"/>
-              </a:ext>
-            </a:extLst>
-          </p:cNvPr>
-          <p:cNvPicPr>
-            <a:picLocks noChangeAspect="1" noChangeArrowheads="1"/>
-          </p:cNvPicPr>
-          <p:nvPr/>
-        </p:nvPicPr>
-        <p:blipFill>
-          <a:blip r:embed="rId2">
-            <a:extLst>
-              <a:ext uri="{28A0092B-C50C-407E-A947-70E740481C1C}">
-                <a14:useLocalDpi xmlns:a14="http://schemas.microsoft.com/office/drawing/2010/main" val="0"/>
-              </a:ext>
-            </a:extLst>
-          </a:blip>
-          <a:srcRect/>
-          <a:stretch>
-            <a:fillRect/>
-          </a:stretch>
-        </p:blipFill>
-        <p:spPr bwMode="auto">
-          <a:xfrm>
-            <a:off x="1205268" y="4578902"/>
-            <a:ext cx="9086850" cy="1103910"/>
-          </a:xfrm>
-          <a:prstGeom prst="rect">
-            <a:avLst/>
-          </a:prstGeom>
-          <a:solidFill>
-            <a:srgbClr val="FFFFFF">
-              <a:shade val="85000"/>
-            </a:srgbClr>
-          </a:solidFill>
-          <a:ln w="88900" cap="sq">
-            <a:noFill/>
-            <a:miter lim="800000"/>
-          </a:ln>
-          <a:effectLst>
-            <a:outerShdw blurRad="55000" dist="18000" dir="5400000" algn="tl" rotWithShape="0">
-              <a:srgbClr val="000000">
-                <a:alpha val="40000"/>
-              </a:srgbClr>
-            </a:outerShdw>
-          </a:effectLst>
-          <a:scene3d>
-            <a:camera prst="orthographicFront"/>
-            <a:lightRig rig="twoPt" dir="t">
-              <a:rot lat="0" lon="0" rev="7200000"/>
-            </a:lightRig>
-          </a:scene3d>
-          <a:sp3d>
-            <a:bevelT w="25400" h="19050"/>
-            <a:contourClr>
-              <a:srgbClr val="FFFFFF"/>
-            </a:contourClr>
-          </a:sp3d>
-          <a:extLst/>
-        </p:spPr>
-      </p:pic>
+            <a:pPr marL="0" indent="0">
+              <a:buNone/>
+            </a:pPr>
+            <a:endParaRPr lang="pt-PT" sz="1800" dirty="0">
+              <a:latin typeface="Consolas" panose="020B0609020204030204" pitchFamily="49" charset="0"/>
+            </a:endParaRPr>
+          </a:p>
+        </p:txBody>
+      </p:sp>
     </p:spTree>
     <p:extLst>
       <p:ext uri="{BB962C8B-B14F-4D97-AF65-F5344CB8AC3E}">
-        <p14:creationId xmlns:p14="http://schemas.microsoft.com/office/powerpoint/2010/main" val="2682762245"/>
-      </p:ext>
-    </p:extLst>
-  </p:cSld>
-  <p:clrMapOvr>
-    <a:masterClrMapping/>
-  </p:clrMapOvr>
-</p:sld>
-</file>
-
-<file path=ppt/slides/slide4.xml><?xml version="1.0" encoding="utf-8"?>
-<p:sld xmlns:a="http://schemas.openxmlformats.org/drawingml/2006/main" xmlns:r="http://schemas.openxmlformats.org/officeDocument/2006/relationships" xmlns:p="http://schemas.openxmlformats.org/presentationml/2006/main">
-  <p:cSld>
-    <p:spTree>
-      <p:nvGrpSpPr>
-        <p:cNvPr id="1" name=""/>
-        <p:cNvGrpSpPr/>
-        <p:nvPr/>
-      </p:nvGrpSpPr>
-      <p:grpSpPr>
-        <a:xfrm>
-          <a:off x="0" y="0"/>
-          <a:ext cx="0" cy="0"/>
-          <a:chOff x="0" y="0"/>
-          <a:chExt cx="0" cy="0"/>
-        </a:xfrm>
-      </p:grpSpPr>
-      <p:sp>
-        <p:nvSpPr>
-          <p:cNvPr id="2" name="Título 1">
-            <a:extLst>
-              <a:ext uri="{FF2B5EF4-FFF2-40B4-BE49-F238E27FC236}">
-                <a16:creationId xmlns:a16="http://schemas.microsoft.com/office/drawing/2014/main" id="{68084EA3-29C4-41B7-8242-BC0D7B82525A}"/>
-              </a:ext>
-            </a:extLst>
-          </p:cNvPr>
-          <p:cNvSpPr>
-            <a:spLocks noGrp="1"/>
-          </p:cNvSpPr>
-          <p:nvPr>
-            <p:ph type="title"/>
-          </p:nvPr>
-        </p:nvSpPr>
-        <p:spPr/>
-        <p:txBody>
-          <a:bodyPr/>
-          <a:lstStyle/>
-          <a:p>
-            <a:r>
-              <a:rPr lang="pt-PT" b="1" dirty="0">
-                <a:solidFill>
-                  <a:schemeClr val="accent4">
-                    <a:lumMod val="60000"/>
-                    <a:lumOff val="40000"/>
-                  </a:schemeClr>
-                </a:solidFill>
-              </a:rPr>
-              <a:t>Expressões regulares: teoria</a:t>
-            </a:r>
-          </a:p>
-        </p:txBody>
-      </p:sp>
-      <p:sp>
-        <p:nvSpPr>
-          <p:cNvPr id="3" name="Marcador de Posição de Conteúdo 2">
-            <a:extLst>
-              <a:ext uri="{FF2B5EF4-FFF2-40B4-BE49-F238E27FC236}">
-                <a16:creationId xmlns:a16="http://schemas.microsoft.com/office/drawing/2014/main" id="{90EA3F8F-AF5E-470B-8328-E9086464833E}"/>
-              </a:ext>
-            </a:extLst>
-          </p:cNvPr>
-          <p:cNvSpPr>
-            <a:spLocks noGrp="1"/>
-          </p:cNvSpPr>
-          <p:nvPr>
-            <p:ph idx="1"/>
-          </p:nvPr>
-        </p:nvSpPr>
-        <p:spPr/>
-        <p:txBody>
-          <a:bodyPr numCol="2">
-            <a:normAutofit/>
-          </a:bodyPr>
-          <a:lstStyle/>
-          <a:p>
-            <a:r>
-              <a:rPr lang="en-US" sz="1800" dirty="0">
-                <a:latin typeface="Consolas" panose="020B0609020204030204" pitchFamily="49" charset="0"/>
-              </a:rPr>
-              <a:t>^ </a:t>
-            </a:r>
-            <a:r>
-              <a:rPr lang="en-US" sz="1800" dirty="0" err="1">
-                <a:latin typeface="Consolas" panose="020B0609020204030204" pitchFamily="49" charset="0"/>
-              </a:rPr>
-              <a:t>Início</a:t>
-            </a:r>
-            <a:r>
-              <a:rPr lang="en-US" sz="1800" dirty="0">
-                <a:latin typeface="Consolas" panose="020B0609020204030204" pitchFamily="49" charset="0"/>
-              </a:rPr>
-              <a:t> da </a:t>
-            </a:r>
-            <a:r>
-              <a:rPr lang="en-US" sz="1800" dirty="0" err="1">
-                <a:latin typeface="Consolas" panose="020B0609020204030204" pitchFamily="49" charset="0"/>
-              </a:rPr>
-              <a:t>linha</a:t>
-            </a:r>
-            <a:endParaRPr lang="en-US" sz="1800" dirty="0">
-              <a:latin typeface="Consolas" panose="020B0609020204030204" pitchFamily="49" charset="0"/>
-            </a:endParaRPr>
-          </a:p>
-          <a:p>
-            <a:r>
-              <a:rPr lang="en-US" sz="1800" dirty="0">
-                <a:latin typeface="Consolas" panose="020B0609020204030204" pitchFamily="49" charset="0"/>
-              </a:rPr>
-              <a:t>$ </a:t>
-            </a:r>
-            <a:r>
-              <a:rPr lang="en-US" sz="1800" dirty="0" err="1">
-                <a:latin typeface="Consolas" panose="020B0609020204030204" pitchFamily="49" charset="0"/>
-              </a:rPr>
-              <a:t>Fim</a:t>
-            </a:r>
-            <a:r>
-              <a:rPr lang="en-US" sz="1800" dirty="0">
-                <a:latin typeface="Consolas" panose="020B0609020204030204" pitchFamily="49" charset="0"/>
-              </a:rPr>
-              <a:t> da </a:t>
-            </a:r>
-            <a:r>
-              <a:rPr lang="en-US" sz="1800" dirty="0" err="1">
-                <a:latin typeface="Consolas" panose="020B0609020204030204" pitchFamily="49" charset="0"/>
-              </a:rPr>
-              <a:t>linha</a:t>
-            </a:r>
-            <a:endParaRPr lang="en-US" sz="1800" dirty="0">
-              <a:latin typeface="Consolas" panose="020B0609020204030204" pitchFamily="49" charset="0"/>
-            </a:endParaRPr>
-          </a:p>
-          <a:p>
-            <a:r>
-              <a:rPr lang="en-US" sz="1800" dirty="0">
-                <a:latin typeface="Consolas" panose="020B0609020204030204" pitchFamily="49" charset="0"/>
-              </a:rPr>
-              <a:t>. </a:t>
-            </a:r>
-            <a:r>
-              <a:rPr lang="en-US" sz="1800" dirty="0" err="1">
-                <a:latin typeface="Consolas" panose="020B0609020204030204" pitchFamily="49" charset="0"/>
-              </a:rPr>
-              <a:t>Qualquer</a:t>
-            </a:r>
-            <a:r>
-              <a:rPr lang="en-US" sz="1800" dirty="0">
-                <a:latin typeface="Consolas" panose="020B0609020204030204" pitchFamily="49" charset="0"/>
-              </a:rPr>
-              <a:t> </a:t>
-            </a:r>
-            <a:r>
-              <a:rPr lang="en-US" sz="1800" dirty="0" err="1">
-                <a:latin typeface="Consolas" panose="020B0609020204030204" pitchFamily="49" charset="0"/>
-              </a:rPr>
-              <a:t>caracter</a:t>
-            </a:r>
-            <a:endParaRPr lang="en-US" sz="1800" dirty="0">
-              <a:latin typeface="Consolas" panose="020B0609020204030204" pitchFamily="49" charset="0"/>
-            </a:endParaRPr>
-          </a:p>
-          <a:p>
-            <a:r>
-              <a:rPr lang="en-US" sz="1800" dirty="0">
-                <a:latin typeface="Consolas" panose="020B0609020204030204" pitchFamily="49" charset="0"/>
-              </a:rPr>
-              <a:t>\s </a:t>
-            </a:r>
-            <a:r>
-              <a:rPr lang="en-US" sz="1800" dirty="0" err="1">
-                <a:latin typeface="Consolas" panose="020B0609020204030204" pitchFamily="49" charset="0"/>
-              </a:rPr>
-              <a:t>Espaços</a:t>
-            </a:r>
-            <a:r>
-              <a:rPr lang="en-US" sz="1800" dirty="0">
-                <a:latin typeface="Consolas" panose="020B0609020204030204" pitchFamily="49" charset="0"/>
-              </a:rPr>
-              <a:t> </a:t>
-            </a:r>
-            <a:r>
-              <a:rPr lang="en-US" sz="1800" dirty="0" err="1">
-                <a:latin typeface="Consolas" panose="020B0609020204030204" pitchFamily="49" charset="0"/>
-              </a:rPr>
-              <a:t>em</a:t>
-            </a:r>
-            <a:r>
-              <a:rPr lang="en-US" sz="1800" dirty="0">
-                <a:latin typeface="Consolas" panose="020B0609020204030204" pitchFamily="49" charset="0"/>
-              </a:rPr>
-              <a:t> </a:t>
-            </a:r>
-            <a:r>
-              <a:rPr lang="en-US" sz="1800" dirty="0" err="1">
-                <a:latin typeface="Consolas" panose="020B0609020204030204" pitchFamily="49" charset="0"/>
-              </a:rPr>
-              <a:t>branco</a:t>
-            </a:r>
-            <a:endParaRPr lang="en-US" sz="1800" dirty="0">
-              <a:latin typeface="Consolas" panose="020B0609020204030204" pitchFamily="49" charset="0"/>
-            </a:endParaRPr>
-          </a:p>
-          <a:p>
-            <a:r>
-              <a:rPr lang="en-US" sz="1800" dirty="0">
-                <a:latin typeface="Consolas" panose="020B0609020204030204" pitchFamily="49" charset="0"/>
-              </a:rPr>
-              <a:t>\S </a:t>
-            </a:r>
-            <a:r>
-              <a:rPr lang="en-US" sz="1800" dirty="0" err="1">
-                <a:latin typeface="Consolas" panose="020B0609020204030204" pitchFamily="49" charset="0"/>
-              </a:rPr>
-              <a:t>Tudo</a:t>
-            </a:r>
-            <a:r>
-              <a:rPr lang="en-US" sz="1800" dirty="0">
-                <a:latin typeface="Consolas" panose="020B0609020204030204" pitchFamily="49" charset="0"/>
-              </a:rPr>
-              <a:t> </a:t>
-            </a:r>
-            <a:r>
-              <a:rPr lang="en-US" sz="1800" dirty="0" err="1">
-                <a:latin typeface="Consolas" panose="020B0609020204030204" pitchFamily="49" charset="0"/>
-              </a:rPr>
-              <a:t>menos</a:t>
-            </a:r>
-            <a:r>
-              <a:rPr lang="en-US" sz="1800" dirty="0">
-                <a:latin typeface="Consolas" panose="020B0609020204030204" pitchFamily="49" charset="0"/>
-              </a:rPr>
-              <a:t> </a:t>
-            </a:r>
-            <a:r>
-              <a:rPr lang="en-US" sz="1800" dirty="0" err="1">
-                <a:latin typeface="Consolas" panose="020B0609020204030204" pitchFamily="49" charset="0"/>
-              </a:rPr>
-              <a:t>espaços</a:t>
-            </a:r>
-            <a:r>
-              <a:rPr lang="en-US" sz="1800" dirty="0">
-                <a:latin typeface="Consolas" panose="020B0609020204030204" pitchFamily="49" charset="0"/>
-              </a:rPr>
-              <a:t> </a:t>
-            </a:r>
-            <a:r>
-              <a:rPr lang="en-US" sz="1800" dirty="0" err="1">
-                <a:latin typeface="Consolas" panose="020B0609020204030204" pitchFamily="49" charset="0"/>
-              </a:rPr>
-              <a:t>em</a:t>
-            </a:r>
-            <a:r>
-              <a:rPr lang="en-US" sz="1800" dirty="0">
-                <a:latin typeface="Consolas" panose="020B0609020204030204" pitchFamily="49" charset="0"/>
-              </a:rPr>
-              <a:t> </a:t>
-            </a:r>
-            <a:r>
-              <a:rPr lang="en-US" sz="1800" dirty="0" err="1">
-                <a:latin typeface="Consolas" panose="020B0609020204030204" pitchFamily="49" charset="0"/>
-              </a:rPr>
-              <a:t>branco</a:t>
-            </a:r>
-            <a:endParaRPr lang="en-US" sz="1800" dirty="0">
-              <a:latin typeface="Consolas" panose="020B0609020204030204" pitchFamily="49" charset="0"/>
-            </a:endParaRPr>
-          </a:p>
-          <a:p>
-            <a:r>
-              <a:rPr lang="en-US" sz="1800" dirty="0">
-                <a:latin typeface="Consolas" panose="020B0609020204030204" pitchFamily="49" charset="0"/>
-              </a:rPr>
-              <a:t>* Zero </a:t>
-            </a:r>
-            <a:r>
-              <a:rPr lang="en-US" sz="1800" dirty="0" err="1">
-                <a:latin typeface="Consolas" panose="020B0609020204030204" pitchFamily="49" charset="0"/>
-              </a:rPr>
-              <a:t>ou</a:t>
-            </a:r>
-            <a:r>
-              <a:rPr lang="en-US" sz="1800" dirty="0">
-                <a:latin typeface="Consolas" panose="020B0609020204030204" pitchFamily="49" charset="0"/>
-              </a:rPr>
-              <a:t> </a:t>
-            </a:r>
-            <a:r>
-              <a:rPr lang="en-US" sz="1800" dirty="0" err="1">
-                <a:latin typeface="Consolas" panose="020B0609020204030204" pitchFamily="49" charset="0"/>
-              </a:rPr>
-              <a:t>mais</a:t>
-            </a:r>
-            <a:r>
-              <a:rPr lang="en-US" sz="1800" dirty="0">
-                <a:latin typeface="Consolas" panose="020B0609020204030204" pitchFamily="49" charset="0"/>
-              </a:rPr>
-              <a:t> (greedy)</a:t>
-            </a:r>
-          </a:p>
-          <a:p>
-            <a:r>
-              <a:rPr lang="en-US" sz="1800" dirty="0">
-                <a:latin typeface="Consolas" panose="020B0609020204030204" pitchFamily="49" charset="0"/>
-              </a:rPr>
-              <a:t>*? Zero </a:t>
-            </a:r>
-            <a:r>
-              <a:rPr lang="en-US" sz="1800" dirty="0" err="1">
-                <a:latin typeface="Consolas" panose="020B0609020204030204" pitchFamily="49" charset="0"/>
-              </a:rPr>
-              <a:t>ou</a:t>
-            </a:r>
-            <a:r>
-              <a:rPr lang="en-US" sz="1800" dirty="0">
-                <a:latin typeface="Consolas" panose="020B0609020204030204" pitchFamily="49" charset="0"/>
-              </a:rPr>
-              <a:t> </a:t>
-            </a:r>
-            <a:r>
-              <a:rPr lang="en-US" sz="1800" dirty="0" err="1">
-                <a:latin typeface="Consolas" panose="020B0609020204030204" pitchFamily="49" charset="0"/>
-              </a:rPr>
-              <a:t>mais</a:t>
-            </a:r>
-            <a:r>
-              <a:rPr lang="en-US" sz="1800" dirty="0">
-                <a:latin typeface="Consolas" panose="020B0609020204030204" pitchFamily="49" charset="0"/>
-              </a:rPr>
-              <a:t> (non-greedy)</a:t>
-            </a:r>
-          </a:p>
-          <a:p>
-            <a:r>
-              <a:rPr lang="en-US" sz="1800" dirty="0">
-                <a:latin typeface="Consolas" panose="020B0609020204030204" pitchFamily="49" charset="0"/>
-              </a:rPr>
-              <a:t>+ Uma </a:t>
-            </a:r>
-            <a:r>
-              <a:rPr lang="en-US" sz="1800" dirty="0" err="1">
-                <a:latin typeface="Consolas" panose="020B0609020204030204" pitchFamily="49" charset="0"/>
-              </a:rPr>
-              <a:t>ou</a:t>
-            </a:r>
-            <a:r>
-              <a:rPr lang="en-US" sz="1800" dirty="0">
-                <a:latin typeface="Consolas" panose="020B0609020204030204" pitchFamily="49" charset="0"/>
-              </a:rPr>
-              <a:t> </a:t>
-            </a:r>
-            <a:r>
-              <a:rPr lang="en-US" sz="1800" dirty="0" err="1">
-                <a:latin typeface="Consolas" panose="020B0609020204030204" pitchFamily="49" charset="0"/>
-              </a:rPr>
-              <a:t>mais</a:t>
-            </a:r>
-            <a:r>
-              <a:rPr lang="en-US" sz="1800" dirty="0">
-                <a:latin typeface="Consolas" panose="020B0609020204030204" pitchFamily="49" charset="0"/>
-              </a:rPr>
-              <a:t> (greedy)</a:t>
-            </a:r>
-          </a:p>
-          <a:p>
-            <a:r>
-              <a:rPr lang="en-US" sz="1800" dirty="0">
-                <a:latin typeface="Consolas" panose="020B0609020204030204" pitchFamily="49" charset="0"/>
-              </a:rPr>
-              <a:t>+? Zero </a:t>
-            </a:r>
-            <a:r>
-              <a:rPr lang="en-US" sz="1800" dirty="0" err="1">
-                <a:latin typeface="Consolas" panose="020B0609020204030204" pitchFamily="49" charset="0"/>
-              </a:rPr>
-              <a:t>ou</a:t>
-            </a:r>
-            <a:r>
-              <a:rPr lang="en-US" sz="1800" dirty="0">
-                <a:latin typeface="Consolas" panose="020B0609020204030204" pitchFamily="49" charset="0"/>
-              </a:rPr>
-              <a:t> </a:t>
-            </a:r>
-            <a:r>
-              <a:rPr lang="en-US" sz="1800" dirty="0" err="1">
-                <a:latin typeface="Consolas" panose="020B0609020204030204" pitchFamily="49" charset="0"/>
-              </a:rPr>
-              <a:t>mais</a:t>
-            </a:r>
-            <a:r>
-              <a:rPr lang="en-US" sz="1800" dirty="0">
-                <a:latin typeface="Consolas" panose="020B0609020204030204" pitchFamily="49" charset="0"/>
-              </a:rPr>
-              <a:t> (non-greedy)</a:t>
-            </a:r>
-          </a:p>
-          <a:p>
-            <a:r>
-              <a:rPr lang="en-US" sz="1800" dirty="0">
-                <a:latin typeface="Consolas" panose="020B0609020204030204" pitchFamily="49" charset="0"/>
-              </a:rPr>
-              <a:t>[</a:t>
-            </a:r>
-            <a:r>
-              <a:rPr lang="en-US" sz="1800" dirty="0" err="1">
-                <a:latin typeface="Consolas" panose="020B0609020204030204" pitchFamily="49" charset="0"/>
-              </a:rPr>
-              <a:t>aeiou</a:t>
-            </a:r>
-            <a:r>
-              <a:rPr lang="en-US" sz="1800" dirty="0">
-                <a:latin typeface="Consolas" panose="020B0609020204030204" pitchFamily="49" charset="0"/>
-              </a:rPr>
-              <a:t>] Um </a:t>
-            </a:r>
-            <a:r>
-              <a:rPr lang="en-US" sz="1800" dirty="0" err="1">
-                <a:latin typeface="Consolas" panose="020B0609020204030204" pitchFamily="49" charset="0"/>
-              </a:rPr>
-              <a:t>caracter</a:t>
-            </a:r>
-            <a:r>
-              <a:rPr lang="en-US" sz="1800" dirty="0">
-                <a:latin typeface="Consolas" panose="020B0609020204030204" pitchFamily="49" charset="0"/>
-              </a:rPr>
-              <a:t> </a:t>
-            </a:r>
-            <a:r>
-              <a:rPr lang="en-US" sz="1800" dirty="0" err="1">
-                <a:latin typeface="Consolas" panose="020B0609020204030204" pitchFamily="49" charset="0"/>
-              </a:rPr>
-              <a:t>dentro</a:t>
-            </a:r>
-            <a:r>
-              <a:rPr lang="en-US" sz="1800" dirty="0">
-                <a:latin typeface="Consolas" panose="020B0609020204030204" pitchFamily="49" charset="0"/>
-              </a:rPr>
-              <a:t> dos </a:t>
-            </a:r>
-            <a:r>
-              <a:rPr lang="en-US" sz="1800" dirty="0" err="1">
-                <a:latin typeface="Consolas" panose="020B0609020204030204" pitchFamily="49" charset="0"/>
-              </a:rPr>
-              <a:t>parêntesis</a:t>
-            </a:r>
-            <a:r>
-              <a:rPr lang="en-US" sz="1800" dirty="0">
-                <a:latin typeface="Consolas" panose="020B0609020204030204" pitchFamily="49" charset="0"/>
-              </a:rPr>
-              <a:t> </a:t>
-            </a:r>
-            <a:r>
-              <a:rPr lang="en-US" sz="1800" dirty="0" err="1">
-                <a:latin typeface="Consolas" panose="020B0609020204030204" pitchFamily="49" charset="0"/>
-              </a:rPr>
-              <a:t>retos</a:t>
-            </a:r>
-            <a:endParaRPr lang="en-US" sz="1800" dirty="0">
-              <a:latin typeface="Consolas" panose="020B0609020204030204" pitchFamily="49" charset="0"/>
-            </a:endParaRPr>
-          </a:p>
-          <a:p>
-            <a:r>
-              <a:rPr lang="en-US" sz="1800" dirty="0">
-                <a:latin typeface="Consolas" panose="020B0609020204030204" pitchFamily="49" charset="0"/>
-              </a:rPr>
-              <a:t>[^XYZ] Um character que </a:t>
-            </a:r>
-            <a:r>
-              <a:rPr lang="en-US" sz="1800" dirty="0" err="1">
-                <a:latin typeface="Consolas" panose="020B0609020204030204" pitchFamily="49" charset="0"/>
-              </a:rPr>
-              <a:t>não</a:t>
-            </a:r>
-            <a:r>
-              <a:rPr lang="en-US" sz="1800" dirty="0">
-                <a:latin typeface="Consolas" panose="020B0609020204030204" pitchFamily="49" charset="0"/>
-              </a:rPr>
-              <a:t> </a:t>
-            </a:r>
-            <a:r>
-              <a:rPr lang="en-US" sz="1800" dirty="0" err="1">
-                <a:latin typeface="Consolas" panose="020B0609020204030204" pitchFamily="49" charset="0"/>
-              </a:rPr>
-              <a:t>esteja</a:t>
-            </a:r>
-            <a:r>
-              <a:rPr lang="en-US" sz="1800" dirty="0">
-                <a:latin typeface="Consolas" panose="020B0609020204030204" pitchFamily="49" charset="0"/>
-              </a:rPr>
-              <a:t> </a:t>
-            </a:r>
-            <a:r>
-              <a:rPr lang="en-US" sz="1800" dirty="0" err="1">
-                <a:latin typeface="Consolas" panose="020B0609020204030204" pitchFamily="49" charset="0"/>
-              </a:rPr>
-              <a:t>dentro</a:t>
-            </a:r>
-            <a:r>
-              <a:rPr lang="en-US" sz="1800" dirty="0">
-                <a:latin typeface="Consolas" panose="020B0609020204030204" pitchFamily="49" charset="0"/>
-              </a:rPr>
-              <a:t> dos </a:t>
-            </a:r>
-            <a:r>
-              <a:rPr lang="en-US" sz="1800" dirty="0" err="1">
-                <a:latin typeface="Consolas" panose="020B0609020204030204" pitchFamily="49" charset="0"/>
-              </a:rPr>
-              <a:t>parentesis</a:t>
-            </a:r>
-            <a:r>
-              <a:rPr lang="en-US" sz="1800" dirty="0">
-                <a:latin typeface="Consolas" panose="020B0609020204030204" pitchFamily="49" charset="0"/>
-              </a:rPr>
-              <a:t> </a:t>
-            </a:r>
-            <a:r>
-              <a:rPr lang="en-US" sz="1800" dirty="0" err="1">
-                <a:latin typeface="Consolas" panose="020B0609020204030204" pitchFamily="49" charset="0"/>
-              </a:rPr>
-              <a:t>retos</a:t>
-            </a:r>
-            <a:endParaRPr lang="en-US" sz="1800" dirty="0">
-              <a:latin typeface="Consolas" panose="020B0609020204030204" pitchFamily="49" charset="0"/>
-            </a:endParaRPr>
-          </a:p>
-          <a:p>
-            <a:r>
-              <a:rPr lang="en-US" sz="1800" dirty="0">
-                <a:latin typeface="Consolas" panose="020B0609020204030204" pitchFamily="49" charset="0"/>
-              </a:rPr>
-              <a:t>[a-z0-9] Conjunto de </a:t>
-            </a:r>
-            <a:r>
-              <a:rPr lang="en-US" sz="1800" dirty="0" err="1">
-                <a:latin typeface="Consolas" panose="020B0609020204030204" pitchFamily="49" charset="0"/>
-              </a:rPr>
-              <a:t>caracteres</a:t>
-            </a:r>
-            <a:r>
-              <a:rPr lang="en-US" sz="1800" dirty="0">
-                <a:latin typeface="Consolas" panose="020B0609020204030204" pitchFamily="49" charset="0"/>
-              </a:rPr>
-              <a:t> de x a x</a:t>
-            </a:r>
-          </a:p>
-          <a:p>
-            <a:r>
-              <a:rPr lang="en-US" sz="1800" dirty="0">
-                <a:latin typeface="Consolas" panose="020B0609020204030204" pitchFamily="49" charset="0"/>
-              </a:rPr>
-              <a:t>( </a:t>
-            </a:r>
-            <a:r>
-              <a:rPr lang="en-US" sz="1800" dirty="0" err="1">
-                <a:latin typeface="Consolas" panose="020B0609020204030204" pitchFamily="49" charset="0"/>
-              </a:rPr>
-              <a:t>Onde</a:t>
-            </a:r>
-            <a:r>
-              <a:rPr lang="en-US" sz="1800" dirty="0">
-                <a:latin typeface="Consolas" panose="020B0609020204030204" pitchFamily="49" charset="0"/>
-              </a:rPr>
-              <a:t> </a:t>
-            </a:r>
-            <a:r>
-              <a:rPr lang="en-US" sz="1800" dirty="0" err="1">
-                <a:latin typeface="Consolas" panose="020B0609020204030204" pitchFamily="49" charset="0"/>
-              </a:rPr>
-              <a:t>começar</a:t>
-            </a:r>
-            <a:r>
-              <a:rPr lang="en-US" sz="1800" dirty="0">
-                <a:latin typeface="Consolas" panose="020B0609020204030204" pitchFamily="49" charset="0"/>
-              </a:rPr>
-              <a:t> a </a:t>
-            </a:r>
-            <a:r>
-              <a:rPr lang="en-US" sz="1800" dirty="0" err="1">
-                <a:latin typeface="Consolas" panose="020B0609020204030204" pitchFamily="49" charset="0"/>
-              </a:rPr>
-              <a:t>extração</a:t>
-            </a:r>
-            <a:endParaRPr lang="en-US" sz="1800" dirty="0">
-              <a:latin typeface="Consolas" panose="020B0609020204030204" pitchFamily="49" charset="0"/>
-            </a:endParaRPr>
-          </a:p>
-          <a:p>
-            <a:r>
-              <a:rPr lang="en-US" sz="1800" dirty="0">
-                <a:latin typeface="Consolas" panose="020B0609020204030204" pitchFamily="49" charset="0"/>
-              </a:rPr>
-              <a:t>) </a:t>
-            </a:r>
-            <a:r>
-              <a:rPr lang="en-US" sz="1800" dirty="0" err="1">
-                <a:latin typeface="Consolas" panose="020B0609020204030204" pitchFamily="49" charset="0"/>
-              </a:rPr>
-              <a:t>Onde</a:t>
-            </a:r>
-            <a:r>
-              <a:rPr lang="en-US" sz="1800" dirty="0">
-                <a:latin typeface="Consolas" panose="020B0609020204030204" pitchFamily="49" charset="0"/>
-              </a:rPr>
-              <a:t> </a:t>
-            </a:r>
-            <a:r>
-              <a:rPr lang="en-US" sz="1800" dirty="0" err="1">
-                <a:latin typeface="Consolas" panose="020B0609020204030204" pitchFamily="49" charset="0"/>
-              </a:rPr>
-              <a:t>parar</a:t>
-            </a:r>
-            <a:r>
-              <a:rPr lang="en-US" sz="1800" dirty="0">
-                <a:latin typeface="Consolas" panose="020B0609020204030204" pitchFamily="49" charset="0"/>
-              </a:rPr>
-              <a:t> a </a:t>
-            </a:r>
-            <a:r>
-              <a:rPr lang="en-US" sz="1800" dirty="0" err="1">
-                <a:latin typeface="Consolas" panose="020B0609020204030204" pitchFamily="49" charset="0"/>
-              </a:rPr>
-              <a:t>extração</a:t>
-            </a:r>
-            <a:endParaRPr lang="pt-PT" sz="1800" dirty="0">
-              <a:latin typeface="Consolas" panose="020B0609020204030204" pitchFamily="49" charset="0"/>
-            </a:endParaRPr>
-          </a:p>
-        </p:txBody>
-      </p:sp>
-    </p:spTree>
-    <p:extLst>
-      <p:ext uri="{BB962C8B-B14F-4D97-AF65-F5344CB8AC3E}">
-        <p14:creationId xmlns:p14="http://schemas.microsoft.com/office/powerpoint/2010/main" val="4055344669"/>
-      </p:ext>
-    </p:extLst>
-  </p:cSld>
-  <p:clrMapOvr>
-    <a:masterClrMapping/>
-  </p:clrMapOvr>
-</p:sld>
-</file>
-
-<file path=ppt/slides/slide5.xml><?xml version="1.0" encoding="utf-8"?>
-<p:sld xmlns:a="http://schemas.openxmlformats.org/drawingml/2006/main" xmlns:r="http://schemas.openxmlformats.org/officeDocument/2006/relationships" xmlns:p="http://schemas.openxmlformats.org/presentationml/2006/main">
-  <p:cSld>
-    <p:spTree>
-      <p:nvGrpSpPr>
-        <p:cNvPr id="1" name=""/>
-        <p:cNvGrpSpPr/>
-        <p:nvPr/>
-      </p:nvGrpSpPr>
-      <p:grpSpPr>
-        <a:xfrm>
-          <a:off x="0" y="0"/>
-          <a:ext cx="0" cy="0"/>
-          <a:chOff x="0" y="0"/>
-          <a:chExt cx="0" cy="0"/>
-        </a:xfrm>
-      </p:grpSpPr>
-      <p:sp>
-        <p:nvSpPr>
-          <p:cNvPr id="2" name="Título 1">
-            <a:extLst>
-              <a:ext uri="{FF2B5EF4-FFF2-40B4-BE49-F238E27FC236}">
-                <a16:creationId xmlns:a16="http://schemas.microsoft.com/office/drawing/2014/main" id="{68084EA3-29C4-41B7-8242-BC0D7B82525A}"/>
-              </a:ext>
-            </a:extLst>
-          </p:cNvPr>
-          <p:cNvSpPr>
-            <a:spLocks noGrp="1"/>
-          </p:cNvSpPr>
-          <p:nvPr>
-            <p:ph type="title"/>
-          </p:nvPr>
-        </p:nvSpPr>
-        <p:spPr/>
-        <p:txBody>
-          <a:bodyPr/>
-          <a:lstStyle/>
-          <a:p>
-            <a:r>
-              <a:rPr lang="pt-PT" b="1" dirty="0">
-                <a:solidFill>
-                  <a:schemeClr val="accent4">
-                    <a:lumMod val="60000"/>
-                    <a:lumOff val="40000"/>
-                  </a:schemeClr>
-                </a:solidFill>
-              </a:rPr>
-              <a:t>Expressões regulares: prática</a:t>
-            </a:r>
-          </a:p>
-        </p:txBody>
-      </p:sp>
-      <p:sp>
-        <p:nvSpPr>
-          <p:cNvPr id="3" name="Marcador de Posição de Conteúdo 2">
-            <a:extLst>
-              <a:ext uri="{FF2B5EF4-FFF2-40B4-BE49-F238E27FC236}">
-                <a16:creationId xmlns:a16="http://schemas.microsoft.com/office/drawing/2014/main" id="{90EA3F8F-AF5E-470B-8328-E9086464833E}"/>
-              </a:ext>
-            </a:extLst>
-          </p:cNvPr>
-          <p:cNvSpPr>
-            <a:spLocks noGrp="1"/>
-          </p:cNvSpPr>
-          <p:nvPr>
-            <p:ph idx="1"/>
-          </p:nvPr>
-        </p:nvSpPr>
-        <p:spPr/>
-        <p:txBody>
-          <a:bodyPr>
-            <a:normAutofit/>
-          </a:bodyPr>
-          <a:lstStyle/>
-          <a:p>
-            <a:r>
-              <a:rPr lang="pt-PT" sz="1800" dirty="0">
-                <a:latin typeface="Consolas" panose="020B0609020204030204" pitchFamily="49" charset="0"/>
-              </a:rPr>
-              <a:t>Online </a:t>
-            </a:r>
-            <a:r>
-              <a:rPr lang="pt-PT" sz="1800" dirty="0" err="1">
-                <a:latin typeface="Consolas" panose="020B0609020204030204" pitchFamily="49" charset="0"/>
-              </a:rPr>
-              <a:t>Regex</a:t>
-            </a:r>
-            <a:r>
-              <a:rPr lang="pt-PT" sz="1800" dirty="0">
-                <a:latin typeface="Consolas" panose="020B0609020204030204" pitchFamily="49" charset="0"/>
-              </a:rPr>
-              <a:t> </a:t>
-            </a:r>
-            <a:r>
-              <a:rPr lang="pt-PT" sz="1800" dirty="0" err="1">
-                <a:latin typeface="Consolas" panose="020B0609020204030204" pitchFamily="49" charset="0"/>
-              </a:rPr>
-              <a:t>tester</a:t>
-            </a:r>
-            <a:r>
-              <a:rPr lang="pt-PT" sz="1800" dirty="0">
-                <a:latin typeface="Consolas" panose="020B0609020204030204" pitchFamily="49" charset="0"/>
-              </a:rPr>
-              <a:t>: </a:t>
-            </a:r>
-            <a:r>
-              <a:rPr lang="pt-PT" sz="1800" dirty="0">
-                <a:latin typeface="Consolas" panose="020B0609020204030204" pitchFamily="49" charset="0"/>
-                <a:hlinkClick r:id="rId2"/>
-              </a:rPr>
-              <a:t>https://regex101.com/</a:t>
-            </a:r>
-            <a:endParaRPr lang="pt-PT" sz="1800" dirty="0">
-              <a:latin typeface="Consolas" panose="020B0609020204030204" pitchFamily="49" charset="0"/>
-            </a:endParaRPr>
-          </a:p>
-          <a:p>
-            <a:endParaRPr lang="pt-PT" sz="1800" dirty="0">
-              <a:latin typeface="Consolas" panose="020B0609020204030204" pitchFamily="49" charset="0"/>
-            </a:endParaRPr>
-          </a:p>
-        </p:txBody>
-      </p:sp>
-    </p:spTree>
-    <p:extLst>
-      <p:ext uri="{BB962C8B-B14F-4D97-AF65-F5344CB8AC3E}">
-        <p14:creationId xmlns:p14="http://schemas.microsoft.com/office/powerpoint/2010/main" val="3536216148"/>
+        <p14:creationId xmlns:p14="http://schemas.microsoft.com/office/powerpoint/2010/main" val="2732779788"/>
       </p:ext>
     </p:extLst>
   </p:cSld>
